--- a/Report.pptx
+++ b/Report.pptx
@@ -1217,6 +1217,13 @@
         </dgm:presLayoutVars>
       </dgm:prSet>
       <dgm:spPr/>
+      <dgm:t>
+        <a:bodyPr/>
+        <a:lstStyle/>
+        <a:p>
+          <a:endParaRPr lang="zh-CN" altLang="en-US"/>
+        </a:p>
+      </dgm:t>
     </dgm:pt>
     <dgm:pt modelId="{36265CE4-704D-450D-81C4-35413166A400}" type="pres">
       <dgm:prSet presAssocID="{19EEB933-C59E-4593-AB95-1E4BF8E7AC58}" presName="arrow" presStyleLbl="bgShp" presStyleIdx="0" presStyleCnt="1"/>
@@ -1268,6 +1275,13 @@
         </dgm:presLayoutVars>
       </dgm:prSet>
       <dgm:spPr/>
+      <dgm:t>
+        <a:bodyPr/>
+        <a:lstStyle/>
+        <a:p>
+          <a:endParaRPr lang="zh-CN" altLang="en-US"/>
+        </a:p>
+      </dgm:t>
     </dgm:pt>
     <dgm:pt modelId="{36E7A265-57B7-4853-A45F-FF04D142D607}" type="pres">
       <dgm:prSet presAssocID="{3DC46338-8FEA-4EDB-B364-1FB2F69B309D}" presName="circleB" presStyleLbl="node1" presStyleIdx="1" presStyleCnt="2"/>
@@ -6056,25 +6070,8 @@
                 <a:latin typeface="+mj-ea"/>
                 <a:ea typeface="+mj-ea"/>
               </a:rPr>
-              <a:t>带</a:t>
-            </a:r>
-            <a:r>
-              <a:rPr lang="zh-CN" altLang="en-US" sz="4800" dirty="0">
-                <a:solidFill>
-                  <a:schemeClr val="bg1"/>
-                </a:solidFill>
-                <a:latin typeface="+mj-ea"/>
-                <a:ea typeface="+mj-ea"/>
-              </a:rPr>
-              <a:t>条件的分层级多答案问答</a:t>
-            </a:r>
-            <a:endParaRPr lang="zh-CN" altLang="en-US" sz="4800" dirty="0">
-              <a:solidFill>
-                <a:schemeClr val="bg1"/>
-              </a:solidFill>
-              <a:latin typeface="+mj-ea"/>
-              <a:ea typeface="+mj-ea"/>
-            </a:endParaRPr>
+              <a:t>带条件的分层级多答案问答</a:t>
+            </a:r>
           </a:p>
         </p:txBody>
       </p:sp>
@@ -6159,13 +6156,6 @@
               </a:rPr>
               <a:t>李厚润</a:t>
             </a:r>
-            <a:endParaRPr lang="zh-CN" altLang="en-US" sz="3200" b="1" dirty="0">
-              <a:solidFill>
-                <a:schemeClr val="bg1"/>
-              </a:solidFill>
-              <a:latin typeface="思源黑体 CN Bold" panose="020B0800000000000000" pitchFamily="34" charset="-122"/>
-              <a:ea typeface="思源黑体 CN Bold" panose="020B0800000000000000" pitchFamily="34" charset="-122"/>
-            </a:endParaRPr>
           </a:p>
         </p:txBody>
       </p:sp>
@@ -6333,8 +6323,18 @@
                 <a:latin typeface="苹方 中等" panose="020B0400000000000000" pitchFamily="34" charset="-122"/>
                 <a:ea typeface="苹方 常规" panose="020B0300000000000000"/>
               </a:rPr>
-              <a:t>format</a:t>
-            </a:r>
+              <a:t>format??</a:t>
+            </a:r>
+            <a:endParaRPr lang="en-US" altLang="zh-CN" sz="2800" dirty="0" smtClean="0">
+              <a:solidFill>
+                <a:schemeClr val="tx1">
+                  <a:lumMod val="85000"/>
+                  <a:lumOff val="15000"/>
+                </a:schemeClr>
+              </a:solidFill>
+              <a:latin typeface="苹方 中等" panose="020B0400000000000000" pitchFamily="34" charset="-122"/>
+              <a:ea typeface="苹方 常规" panose="020B0300000000000000"/>
+            </a:endParaRPr>
           </a:p>
           <a:p>
             <a:pPr defTabSz="1025932"/>
@@ -6466,7 +6466,213 @@
   <p:timing>
     <p:tnLst>
       <p:par>
-        <p:cTn id="1" dur="indefinite" restart="never" nodeType="tmRoot"/>
+        <p:cTn id="1" dur="indefinite" restart="never" nodeType="tmRoot">
+          <p:childTnLst>
+            <p:seq concurrent="1" nextAc="seek">
+              <p:cTn id="2" dur="indefinite" nodeType="mainSeq">
+                <p:childTnLst>
+                  <p:par>
+                    <p:cTn id="3" fill="hold">
+                      <p:stCondLst>
+                        <p:cond delay="indefinite"/>
+                      </p:stCondLst>
+                      <p:childTnLst>
+                        <p:par>
+                          <p:cTn id="4" fill="hold">
+                            <p:stCondLst>
+                              <p:cond delay="0"/>
+                            </p:stCondLst>
+                            <p:childTnLst>
+                              <p:par>
+                                <p:cTn id="5" presetID="10" presetClass="entr" presetSubtype="0" fill="hold" nodeType="clickEffect">
+                                  <p:stCondLst>
+                                    <p:cond delay="0"/>
+                                  </p:stCondLst>
+                                  <p:childTnLst>
+                                    <p:set>
+                                      <p:cBhvr>
+                                        <p:cTn id="6" dur="1" fill="hold">
+                                          <p:stCondLst>
+                                            <p:cond delay="0"/>
+                                          </p:stCondLst>
+                                        </p:cTn>
+                                        <p:tgtEl>
+                                          <p:spTgt spid="27">
+                                            <p:txEl>
+                                              <p:pRg st="2" end="2"/>
+                                            </p:txEl>
+                                          </p:spTgt>
+                                        </p:tgtEl>
+                                        <p:attrNameLst>
+                                          <p:attrName>style.visibility</p:attrName>
+                                        </p:attrNameLst>
+                                      </p:cBhvr>
+                                      <p:to>
+                                        <p:strVal val="visible"/>
+                                      </p:to>
+                                    </p:set>
+                                    <p:animEffect transition="in" filter="fade">
+                                      <p:cBhvr>
+                                        <p:cTn id="7" dur="500"/>
+                                        <p:tgtEl>
+                                          <p:spTgt spid="27">
+                                            <p:txEl>
+                                              <p:pRg st="2" end="2"/>
+                                            </p:txEl>
+                                          </p:spTgt>
+                                        </p:tgtEl>
+                                      </p:cBhvr>
+                                    </p:animEffect>
+                                  </p:childTnLst>
+                                </p:cTn>
+                              </p:par>
+                            </p:childTnLst>
+                          </p:cTn>
+                        </p:par>
+                      </p:childTnLst>
+                    </p:cTn>
+                  </p:par>
+                  <p:par>
+                    <p:cTn id="8" fill="hold">
+                      <p:stCondLst>
+                        <p:cond delay="indefinite"/>
+                      </p:stCondLst>
+                      <p:childTnLst>
+                        <p:par>
+                          <p:cTn id="9" fill="hold">
+                            <p:stCondLst>
+                              <p:cond delay="0"/>
+                            </p:stCondLst>
+                            <p:childTnLst>
+                              <p:par>
+                                <p:cTn id="10" presetID="10" presetClass="entr" presetSubtype="0" fill="hold" nodeType="clickEffect">
+                                  <p:stCondLst>
+                                    <p:cond delay="0"/>
+                                  </p:stCondLst>
+                                  <p:childTnLst>
+                                    <p:set>
+                                      <p:cBhvr>
+                                        <p:cTn id="11" dur="1" fill="hold">
+                                          <p:stCondLst>
+                                            <p:cond delay="0"/>
+                                          </p:stCondLst>
+                                        </p:cTn>
+                                        <p:tgtEl>
+                                          <p:spTgt spid="27">
+                                            <p:txEl>
+                                              <p:pRg st="4" end="4"/>
+                                            </p:txEl>
+                                          </p:spTgt>
+                                        </p:tgtEl>
+                                        <p:attrNameLst>
+                                          <p:attrName>style.visibility</p:attrName>
+                                        </p:attrNameLst>
+                                      </p:cBhvr>
+                                      <p:to>
+                                        <p:strVal val="visible"/>
+                                      </p:to>
+                                    </p:set>
+                                    <p:animEffect transition="in" filter="fade">
+                                      <p:cBhvr>
+                                        <p:cTn id="12" dur="500"/>
+                                        <p:tgtEl>
+                                          <p:spTgt spid="27">
+                                            <p:txEl>
+                                              <p:pRg st="4" end="4"/>
+                                            </p:txEl>
+                                          </p:spTgt>
+                                        </p:tgtEl>
+                                      </p:cBhvr>
+                                    </p:animEffect>
+                                  </p:childTnLst>
+                                </p:cTn>
+                              </p:par>
+                            </p:childTnLst>
+                          </p:cTn>
+                        </p:par>
+                      </p:childTnLst>
+                    </p:cTn>
+                  </p:par>
+                  <p:par>
+                    <p:cTn id="13" fill="hold">
+                      <p:stCondLst>
+                        <p:cond delay="indefinite"/>
+                      </p:stCondLst>
+                      <p:childTnLst>
+                        <p:par>
+                          <p:cTn id="14" fill="hold">
+                            <p:stCondLst>
+                              <p:cond delay="0"/>
+                            </p:stCondLst>
+                            <p:childTnLst>
+                              <p:par>
+                                <p:cTn id="15" presetID="10" presetClass="entr" presetSubtype="0" fill="hold" nodeType="clickEffect">
+                                  <p:stCondLst>
+                                    <p:cond delay="0"/>
+                                  </p:stCondLst>
+                                  <p:childTnLst>
+                                    <p:set>
+                                      <p:cBhvr>
+                                        <p:cTn id="16" dur="1" fill="hold">
+                                          <p:stCondLst>
+                                            <p:cond delay="0"/>
+                                          </p:stCondLst>
+                                        </p:cTn>
+                                        <p:tgtEl>
+                                          <p:spTgt spid="2">
+                                            <p:txEl>
+                                              <p:pRg st="0" end="0"/>
+                                            </p:txEl>
+                                          </p:spTgt>
+                                        </p:tgtEl>
+                                        <p:attrNameLst>
+                                          <p:attrName>style.visibility</p:attrName>
+                                        </p:attrNameLst>
+                                      </p:cBhvr>
+                                      <p:to>
+                                        <p:strVal val="visible"/>
+                                      </p:to>
+                                    </p:set>
+                                    <p:animEffect transition="in" filter="fade">
+                                      <p:cBhvr>
+                                        <p:cTn id="17" dur="500"/>
+                                        <p:tgtEl>
+                                          <p:spTgt spid="2">
+                                            <p:txEl>
+                                              <p:pRg st="0" end="0"/>
+                                            </p:txEl>
+                                          </p:spTgt>
+                                        </p:tgtEl>
+                                      </p:cBhvr>
+                                    </p:animEffect>
+                                  </p:childTnLst>
+                                </p:cTn>
+                              </p:par>
+                            </p:childTnLst>
+                          </p:cTn>
+                        </p:par>
+                      </p:childTnLst>
+                    </p:cTn>
+                  </p:par>
+                </p:childTnLst>
+              </p:cTn>
+              <p:prevCondLst>
+                <p:cond evt="onPrev" delay="0">
+                  <p:tgtEl>
+                    <p:sldTgt/>
+                  </p:tgtEl>
+                </p:cond>
+              </p:prevCondLst>
+              <p:nextCondLst>
+                <p:cond evt="onNext" delay="0">
+                  <p:tgtEl>
+                    <p:sldTgt/>
+                  </p:tgtEl>
+                </p:cond>
+              </p:nextCondLst>
+            </p:seq>
+          </p:childTnLst>
+        </p:cTn>
       </p:par>
     </p:tnLst>
   </p:timing>
@@ -6708,27 +6914,7 @@
                 </a:solidFill>
                 <a:latin typeface="Consolas" panose="020B0609020204030204" pitchFamily="49" charset="0"/>
               </a:rPr>
-              <a:t>，还会联合</a:t>
-            </a:r>
-            <a:r>
-              <a:rPr lang="zh-CN" altLang="en-US" sz="4400" dirty="0">
-                <a:solidFill>
-                  <a:srgbClr val="92D050"/>
-                </a:solidFill>
-                <a:latin typeface="Consolas" panose="020B0609020204030204" pitchFamily="49" charset="0"/>
-              </a:rPr>
-              <a:t>激素的药物</a:t>
-            </a:r>
-            <a:r>
-              <a:rPr lang="zh-CN" altLang="en-US" sz="4400" dirty="0">
-                <a:solidFill>
-                  <a:schemeClr val="bg1">
-                    <a:lumMod val="65000"/>
-                  </a:schemeClr>
-                </a:solidFill>
-                <a:latin typeface="Consolas" panose="020B0609020204030204" pitchFamily="49" charset="0"/>
-              </a:rPr>
-              <a:t>进行治疗。</a:t>
+              <a:t>，还会联合激素的药物进行治疗。</a:t>
             </a:r>
             <a:r>
               <a:rPr lang="en-US" altLang="zh-CN" sz="4400" dirty="0">
@@ -7395,13 +7581,6 @@
               </a:rPr>
               <a:t>细节</a:t>
             </a:r>
-            <a:endParaRPr lang="zh-CN" altLang="en-US" sz="6000" dirty="0">
-              <a:solidFill>
-                <a:srgbClr val="960023"/>
-              </a:solidFill>
-              <a:latin typeface="思源黑体 CN Bold" panose="020B0800000000000000" pitchFamily="34" charset="-122"/>
-              <a:ea typeface="思源黑体 CN Bold" panose="020B0800000000000000" pitchFamily="34" charset="-122"/>
-            </a:endParaRPr>
           </a:p>
         </p:txBody>
       </p:sp>
@@ -7448,7 +7627,20 @@
                 <a:latin typeface="苹方 中等" panose="020B0400000000000000" pitchFamily="34" charset="-122"/>
                 <a:ea typeface="苹方 常规" panose="020B0300000000000000"/>
               </a:rPr>
-              <a:t>Add special tokens?</a:t>
+              <a:t>Add special </a:t>
+            </a:r>
+            <a:r>
+              <a:rPr lang="en-US" altLang="zh-CN" sz="2400" dirty="0" smtClean="0">
+                <a:solidFill>
+                  <a:schemeClr val="tx1">
+                    <a:lumMod val="85000"/>
+                    <a:lumOff val="15000"/>
+                  </a:schemeClr>
+                </a:solidFill>
+                <a:latin typeface="苹方 中等" panose="020B0400000000000000" pitchFamily="34" charset="-122"/>
+                <a:ea typeface="苹方 常规" panose="020B0300000000000000"/>
+              </a:rPr>
+              <a:t>tokens, why and how?</a:t>
             </a:r>
             <a:endParaRPr lang="zh-CN" altLang="en-US" sz="2400" dirty="0">
               <a:solidFill>
@@ -7760,9 +7952,250 @@
   <p:timing>
     <p:tnLst>
       <p:par>
-        <p:cTn id="1" dur="indefinite" restart="never" nodeType="tmRoot"/>
+        <p:cTn id="1" dur="indefinite" restart="never" nodeType="tmRoot">
+          <p:childTnLst>
+            <p:seq concurrent="1" nextAc="seek">
+              <p:cTn id="2" dur="indefinite" nodeType="mainSeq">
+                <p:childTnLst>
+                  <p:par>
+                    <p:cTn id="3" fill="hold">
+                      <p:stCondLst>
+                        <p:cond delay="indefinite"/>
+                      </p:stCondLst>
+                      <p:childTnLst>
+                        <p:par>
+                          <p:cTn id="4" fill="hold">
+                            <p:stCondLst>
+                              <p:cond delay="0"/>
+                            </p:stCondLst>
+                            <p:childTnLst>
+                              <p:par>
+                                <p:cTn id="5" presetID="10" presetClass="entr" presetSubtype="0" fill="hold" grpId="0" nodeType="clickEffect">
+                                  <p:stCondLst>
+                                    <p:cond delay="0"/>
+                                  </p:stCondLst>
+                                  <p:childTnLst>
+                                    <p:set>
+                                      <p:cBhvr>
+                                        <p:cTn id="6" dur="1" fill="hold">
+                                          <p:stCondLst>
+                                            <p:cond delay="0"/>
+                                          </p:stCondLst>
+                                        </p:cTn>
+                                        <p:tgtEl>
+                                          <p:spTgt spid="27"/>
+                                        </p:tgtEl>
+                                        <p:attrNameLst>
+                                          <p:attrName>style.visibility</p:attrName>
+                                        </p:attrNameLst>
+                                      </p:cBhvr>
+                                      <p:to>
+                                        <p:strVal val="visible"/>
+                                      </p:to>
+                                    </p:set>
+                                    <p:animEffect transition="in" filter="fade">
+                                      <p:cBhvr>
+                                        <p:cTn id="7" dur="500"/>
+                                        <p:tgtEl>
+                                          <p:spTgt spid="27"/>
+                                        </p:tgtEl>
+                                      </p:cBhvr>
+                                    </p:animEffect>
+                                  </p:childTnLst>
+                                </p:cTn>
+                              </p:par>
+                            </p:childTnLst>
+                          </p:cTn>
+                        </p:par>
+                      </p:childTnLst>
+                    </p:cTn>
+                  </p:par>
+                  <p:par>
+                    <p:cTn id="8" fill="hold">
+                      <p:stCondLst>
+                        <p:cond delay="indefinite"/>
+                      </p:stCondLst>
+                      <p:childTnLst>
+                        <p:par>
+                          <p:cTn id="9" fill="hold">
+                            <p:stCondLst>
+                              <p:cond delay="0"/>
+                            </p:stCondLst>
+                            <p:childTnLst>
+                              <p:par>
+                                <p:cTn id="10" presetID="10" presetClass="entr" presetSubtype="0" fill="hold" grpId="0" nodeType="clickEffect">
+                                  <p:stCondLst>
+                                    <p:cond delay="0"/>
+                                  </p:stCondLst>
+                                  <p:childTnLst>
+                                    <p:set>
+                                      <p:cBhvr>
+                                        <p:cTn id="11" dur="1" fill="hold">
+                                          <p:stCondLst>
+                                            <p:cond delay="0"/>
+                                          </p:stCondLst>
+                                        </p:cTn>
+                                        <p:tgtEl>
+                                          <p:spTgt spid="28"/>
+                                        </p:tgtEl>
+                                        <p:attrNameLst>
+                                          <p:attrName>style.visibility</p:attrName>
+                                        </p:attrNameLst>
+                                      </p:cBhvr>
+                                      <p:to>
+                                        <p:strVal val="visible"/>
+                                      </p:to>
+                                    </p:set>
+                                    <p:animEffect transition="in" filter="fade">
+                                      <p:cBhvr>
+                                        <p:cTn id="12" dur="500"/>
+                                        <p:tgtEl>
+                                          <p:spTgt spid="28"/>
+                                        </p:tgtEl>
+                                      </p:cBhvr>
+                                    </p:animEffect>
+                                  </p:childTnLst>
+                                </p:cTn>
+                              </p:par>
+                            </p:childTnLst>
+                          </p:cTn>
+                        </p:par>
+                      </p:childTnLst>
+                    </p:cTn>
+                  </p:par>
+                  <p:par>
+                    <p:cTn id="13" fill="hold">
+                      <p:stCondLst>
+                        <p:cond delay="indefinite"/>
+                      </p:stCondLst>
+                      <p:childTnLst>
+                        <p:par>
+                          <p:cTn id="14" fill="hold">
+                            <p:stCondLst>
+                              <p:cond delay="0"/>
+                            </p:stCondLst>
+                            <p:childTnLst>
+                              <p:par>
+                                <p:cTn id="15" presetID="10" presetClass="entr" presetSubtype="0" fill="hold" grpId="0" nodeType="clickEffect">
+                                  <p:stCondLst>
+                                    <p:cond delay="0"/>
+                                  </p:stCondLst>
+                                  <p:childTnLst>
+                                    <p:set>
+                                      <p:cBhvr>
+                                        <p:cTn id="16" dur="1" fill="hold">
+                                          <p:stCondLst>
+                                            <p:cond delay="0"/>
+                                          </p:stCondLst>
+                                        </p:cTn>
+                                        <p:tgtEl>
+                                          <p:spTgt spid="14"/>
+                                        </p:tgtEl>
+                                        <p:attrNameLst>
+                                          <p:attrName>style.visibility</p:attrName>
+                                        </p:attrNameLst>
+                                      </p:cBhvr>
+                                      <p:to>
+                                        <p:strVal val="visible"/>
+                                      </p:to>
+                                    </p:set>
+                                    <p:animEffect transition="in" filter="fade">
+                                      <p:cBhvr>
+                                        <p:cTn id="17" dur="500"/>
+                                        <p:tgtEl>
+                                          <p:spTgt spid="14"/>
+                                        </p:tgtEl>
+                                      </p:cBhvr>
+                                    </p:animEffect>
+                                  </p:childTnLst>
+                                </p:cTn>
+                              </p:par>
+                            </p:childTnLst>
+                          </p:cTn>
+                        </p:par>
+                      </p:childTnLst>
+                    </p:cTn>
+                  </p:par>
+                  <p:par>
+                    <p:cTn id="18" fill="hold">
+                      <p:stCondLst>
+                        <p:cond delay="indefinite"/>
+                      </p:stCondLst>
+                      <p:childTnLst>
+                        <p:par>
+                          <p:cTn id="19" fill="hold">
+                            <p:stCondLst>
+                              <p:cond delay="0"/>
+                            </p:stCondLst>
+                            <p:childTnLst>
+                              <p:par>
+                                <p:cTn id="20" presetID="10" presetClass="entr" presetSubtype="0" fill="hold" grpId="0" nodeType="clickEffect">
+                                  <p:stCondLst>
+                                    <p:cond delay="0"/>
+                                  </p:stCondLst>
+                                  <p:childTnLst>
+                                    <p:set>
+                                      <p:cBhvr>
+                                        <p:cTn id="21" dur="1" fill="hold">
+                                          <p:stCondLst>
+                                            <p:cond delay="0"/>
+                                          </p:stCondLst>
+                                        </p:cTn>
+                                        <p:tgtEl>
+                                          <p:spTgt spid="8"/>
+                                        </p:tgtEl>
+                                        <p:attrNameLst>
+                                          <p:attrName>style.visibility</p:attrName>
+                                        </p:attrNameLst>
+                                      </p:cBhvr>
+                                      <p:to>
+                                        <p:strVal val="visible"/>
+                                      </p:to>
+                                    </p:set>
+                                    <p:animEffect transition="in" filter="fade">
+                                      <p:cBhvr>
+                                        <p:cTn id="22" dur="500"/>
+                                        <p:tgtEl>
+                                          <p:spTgt spid="8"/>
+                                        </p:tgtEl>
+                                      </p:cBhvr>
+                                    </p:animEffect>
+                                  </p:childTnLst>
+                                </p:cTn>
+                              </p:par>
+                            </p:childTnLst>
+                          </p:cTn>
+                        </p:par>
+                      </p:childTnLst>
+                    </p:cTn>
+                  </p:par>
+                </p:childTnLst>
+              </p:cTn>
+              <p:prevCondLst>
+                <p:cond evt="onPrev" delay="0">
+                  <p:tgtEl>
+                    <p:sldTgt/>
+                  </p:tgtEl>
+                </p:cond>
+              </p:prevCondLst>
+              <p:nextCondLst>
+                <p:cond evt="onNext" delay="0">
+                  <p:tgtEl>
+                    <p:sldTgt/>
+                  </p:tgtEl>
+                </p:cond>
+              </p:nextCondLst>
+            </p:seq>
+          </p:childTnLst>
+        </p:cTn>
       </p:par>
     </p:tnLst>
+    <p:bldLst>
+      <p:bldP spid="27" grpId="0"/>
+      <p:bldP spid="28" grpId="0"/>
+      <p:bldP spid="14" grpId="0"/>
+      <p:bldP spid="8" grpId="0"/>
+    </p:bldLst>
   </p:timing>
 </p:sld>
 </file>
@@ -7831,13 +8264,6 @@
               </a:rPr>
               <a:t>分析</a:t>
             </a:r>
-            <a:endParaRPr lang="zh-CN" altLang="en-US" sz="6000" dirty="0">
-              <a:solidFill>
-                <a:srgbClr val="960023"/>
-              </a:solidFill>
-              <a:latin typeface="思源黑体 CN Bold" panose="020B0800000000000000" pitchFamily="34" charset="-122"/>
-              <a:ea typeface="思源黑体 CN Bold" panose="020B0800000000000000" pitchFamily="34" charset="-122"/>
-            </a:endParaRPr>
           </a:p>
         </p:txBody>
       </p:sp>
@@ -8023,9 +8449,142 @@
   <p:timing>
     <p:tnLst>
       <p:par>
-        <p:cTn id="1" dur="indefinite" restart="never" nodeType="tmRoot"/>
+        <p:cTn id="1" dur="indefinite" restart="never" nodeType="tmRoot">
+          <p:childTnLst>
+            <p:seq concurrent="1" nextAc="seek">
+              <p:cTn id="2" dur="indefinite" nodeType="mainSeq">
+                <p:childTnLst>
+                  <p:par>
+                    <p:cTn id="3" fill="hold">
+                      <p:stCondLst>
+                        <p:cond delay="indefinite"/>
+                      </p:stCondLst>
+                      <p:childTnLst>
+                        <p:par>
+                          <p:cTn id="4" fill="hold">
+                            <p:stCondLst>
+                              <p:cond delay="0"/>
+                            </p:stCondLst>
+                            <p:childTnLst>
+                              <p:par>
+                                <p:cTn id="5" presetID="10" presetClass="entr" presetSubtype="0" fill="hold" grpId="0" nodeType="clickEffect">
+                                  <p:stCondLst>
+                                    <p:cond delay="0"/>
+                                  </p:stCondLst>
+                                  <p:childTnLst>
+                                    <p:set>
+                                      <p:cBhvr>
+                                        <p:cTn id="6" dur="1" fill="hold">
+                                          <p:stCondLst>
+                                            <p:cond delay="0"/>
+                                          </p:stCondLst>
+                                        </p:cTn>
+                                        <p:tgtEl>
+                                          <p:spTgt spid="27"/>
+                                        </p:tgtEl>
+                                        <p:attrNameLst>
+                                          <p:attrName>style.visibility</p:attrName>
+                                        </p:attrNameLst>
+                                      </p:cBhvr>
+                                      <p:to>
+                                        <p:strVal val="visible"/>
+                                      </p:to>
+                                    </p:set>
+                                    <p:animEffect transition="in" filter="fade">
+                                      <p:cBhvr>
+                                        <p:cTn id="7" dur="500"/>
+                                        <p:tgtEl>
+                                          <p:spTgt spid="27"/>
+                                        </p:tgtEl>
+                                      </p:cBhvr>
+                                    </p:animEffect>
+                                  </p:childTnLst>
+                                </p:cTn>
+                              </p:par>
+                            </p:childTnLst>
+                          </p:cTn>
+                        </p:par>
+                      </p:childTnLst>
+                    </p:cTn>
+                  </p:par>
+                  <p:par>
+                    <p:cTn id="8" fill="hold">
+                      <p:stCondLst>
+                        <p:cond delay="indefinite"/>
+                      </p:stCondLst>
+                      <p:childTnLst>
+                        <p:par>
+                          <p:cTn id="9" fill="hold">
+                            <p:stCondLst>
+                              <p:cond delay="0"/>
+                            </p:stCondLst>
+                            <p:childTnLst>
+                              <p:par>
+                                <p:cTn id="10" presetID="10" presetClass="entr" presetSubtype="0" fill="hold" grpId="0" nodeType="clickEffect">
+                                  <p:stCondLst>
+                                    <p:cond delay="0"/>
+                                  </p:stCondLst>
+                                  <p:childTnLst>
+                                    <p:set>
+                                      <p:cBhvr>
+                                        <p:cTn id="11" dur="1" fill="hold">
+                                          <p:stCondLst>
+                                            <p:cond delay="0"/>
+                                          </p:stCondLst>
+                                        </p:cTn>
+                                        <p:tgtEl>
+                                          <p:spTgt spid="14"/>
+                                        </p:tgtEl>
+                                        <p:attrNameLst>
+                                          <p:attrName>style.visibility</p:attrName>
+                                        </p:attrNameLst>
+                                      </p:cBhvr>
+                                      <p:to>
+                                        <p:strVal val="visible"/>
+                                      </p:to>
+                                    </p:set>
+                                    <p:animEffect transition="in" filter="fade">
+                                      <p:cBhvr>
+                                        <p:cTn id="12" dur="500"/>
+                                        <p:tgtEl>
+                                          <p:spTgt spid="14"/>
+                                        </p:tgtEl>
+                                      </p:cBhvr>
+                                    </p:animEffect>
+                                  </p:childTnLst>
+                                </p:cTn>
+                              </p:par>
+                            </p:childTnLst>
+                          </p:cTn>
+                        </p:par>
+                      </p:childTnLst>
+                    </p:cTn>
+                  </p:par>
+                </p:childTnLst>
+              </p:cTn>
+              <p:prevCondLst>
+                <p:cond evt="onPrev" delay="0">
+                  <p:tgtEl>
+                    <p:sldTgt/>
+                  </p:tgtEl>
+                </p:cond>
+              </p:prevCondLst>
+              <p:nextCondLst>
+                <p:cond evt="onNext" delay="0">
+                  <p:tgtEl>
+                    <p:sldTgt/>
+                  </p:tgtEl>
+                </p:cond>
+              </p:nextCondLst>
+            </p:seq>
+          </p:childTnLst>
+        </p:cTn>
       </p:par>
     </p:tnLst>
+    <p:bldLst>
+      <p:bldP spid="27" grpId="0"/>
+      <p:bldP spid="14" grpId="0"/>
+    </p:bldLst>
   </p:timing>
 </p:sld>
 </file>
@@ -8118,8 +8677,8 @@
         </p:nvSpPr>
         <p:spPr>
           <a:xfrm>
-            <a:off x="1141123" y="2293186"/>
-            <a:ext cx="5101831" cy="461665"/>
+            <a:off x="984032" y="1500706"/>
+            <a:ext cx="6748843" cy="461665"/>
           </a:xfrm>
           <a:prstGeom prst="rect">
             <a:avLst/>
@@ -8137,7 +8696,7 @@
               <a:buChar char="•"/>
             </a:pPr>
             <a:r>
-              <a:rPr lang="en-US" altLang="zh-CN" sz="2400" dirty="0" smtClean="0">
+              <a:rPr lang="en-US" altLang="zh-CN" sz="2400" dirty="0">
                 <a:solidFill>
                   <a:schemeClr val="tx1">
                     <a:lumMod val="85000"/>
@@ -8146,54 +8705,10 @@
                 </a:solidFill>
                 <a:latin typeface="苹方 中等" panose="020B0400000000000000" pitchFamily="34" charset="-122"/>
                 <a:ea typeface="苹方 常规" panose="020B0300000000000000"/>
-              </a:rPr>
-              <a:t>Where is the bottleneck?</a:t>
-            </a:r>
-            <a:endParaRPr lang="zh-CN" altLang="en-US" sz="2400" dirty="0">
-              <a:solidFill>
-                <a:schemeClr val="tx1">
-                  <a:lumMod val="85000"/>
-                  <a:lumOff val="15000"/>
-                </a:schemeClr>
-              </a:solidFill>
-              <a:latin typeface="苹方 中等" panose="020B0400000000000000" pitchFamily="34" charset="-122"/>
-              <a:ea typeface="苹方 常规" panose="020B0300000000000000"/>
-            </a:endParaRPr>
-          </a:p>
-        </p:txBody>
-      </p:sp>
-      <p:sp>
-        <p:nvSpPr>
-          <p:cNvPr id="14" name="文本框 13">
-            <a:extLst>
-              <a:ext uri="{FF2B5EF4-FFF2-40B4-BE49-F238E27FC236}">
-                <a16:creationId xmlns:a16="http://schemas.microsoft.com/office/drawing/2014/main" id="{611EF645-356F-43FA-A0FB-070CE4B5D09B}"/>
-              </a:ext>
-            </a:extLst>
-          </p:cNvPr>
-          <p:cNvSpPr txBox="1"/>
-          <p:nvPr/>
-        </p:nvSpPr>
-        <p:spPr>
-          <a:xfrm>
-            <a:off x="1141123" y="3001926"/>
-            <a:ext cx="6531429" cy="461665"/>
-          </a:xfrm>
-          <a:prstGeom prst="rect">
-            <a:avLst/>
-          </a:prstGeom>
-          <a:noFill/>
-        </p:spPr>
-        <p:txBody>
-          <a:bodyPr wrap="square">
-            <a:spAutoFit/>
-          </a:bodyPr>
-          <a:lstStyle/>
-          <a:p>
-            <a:pPr marL="384725" indent="-384725" defTabSz="1025932">
-              <a:buFont typeface="Arial" panose="020B0604020202020204" pitchFamily="34" charset="0"/>
-              <a:buChar char="•"/>
-            </a:pPr>
+                <a:hlinkClick r:id="rId2"/>
+              </a:rPr>
+              <a:t>https://</a:t>
+            </a:r>
             <a:r>
               <a:rPr lang="en-US" altLang="zh-CN" sz="2400" dirty="0" smtClean="0">
                 <a:solidFill>
@@ -8204,10 +8719,11 @@
                 </a:solidFill>
                 <a:latin typeface="苹方 中等" panose="020B0400000000000000" pitchFamily="34" charset="-122"/>
                 <a:ea typeface="苹方 常规" panose="020B0300000000000000"/>
-              </a:rPr>
-              <a:t>How to make my model more accurate?</a:t>
-            </a:r>
-            <a:endParaRPr lang="zh-CN" altLang="en-US" sz="2400" dirty="0">
+                <a:hlinkClick r:id="rId2"/>
+              </a:rPr>
+              <a:t>github.com/HourunLi/CCKS2022.git</a:t>
+            </a:r>
+            <a:endParaRPr lang="en-US" altLang="zh-CN" sz="2400" dirty="0" smtClean="0">
               <a:solidFill>
                 <a:schemeClr val="tx1">
                   <a:lumMod val="85000"/>
@@ -8398,13 +8914,6 @@
               </a:rPr>
               <a:t>模型</a:t>
             </a:r>
-            <a:endParaRPr lang="zh-CN" altLang="en-US" sz="6000" dirty="0">
-              <a:solidFill>
-                <a:srgbClr val="960023"/>
-              </a:solidFill>
-              <a:latin typeface="思源黑体 CN Bold" panose="020B0800000000000000" pitchFamily="34" charset="-122"/>
-              <a:ea typeface="思源黑体 CN Bold" panose="020B0800000000000000" pitchFamily="34" charset="-122"/>
-            </a:endParaRPr>
           </a:p>
         </p:txBody>
       </p:sp>
@@ -8422,8 +8931,8 @@
         </p:nvSpPr>
         <p:spPr>
           <a:xfrm>
-            <a:off x="1141123" y="2293186"/>
-            <a:ext cx="5101831" cy="461665"/>
+            <a:off x="1141124" y="2293186"/>
+            <a:ext cx="2829986" cy="461665"/>
           </a:xfrm>
           <a:prstGeom prst="rect">
             <a:avLst/>
@@ -9014,9 +9523,356 @@
   <p:timing>
     <p:tnLst>
       <p:par>
-        <p:cTn id="1" dur="indefinite" restart="never" nodeType="tmRoot"/>
+        <p:cTn id="1" dur="indefinite" restart="never" nodeType="tmRoot">
+          <p:childTnLst>
+            <p:seq concurrent="1" nextAc="seek">
+              <p:cTn id="2" dur="indefinite" nodeType="mainSeq">
+                <p:childTnLst>
+                  <p:par>
+                    <p:cTn id="3" fill="hold">
+                      <p:stCondLst>
+                        <p:cond delay="indefinite"/>
+                      </p:stCondLst>
+                      <p:childTnLst>
+                        <p:par>
+                          <p:cTn id="4" fill="hold">
+                            <p:stCondLst>
+                              <p:cond delay="0"/>
+                            </p:stCondLst>
+                            <p:childTnLst>
+                              <p:par>
+                                <p:cTn id="5" presetID="10" presetClass="entr" presetSubtype="0" fill="hold" grpId="0" nodeType="clickEffect">
+                                  <p:stCondLst>
+                                    <p:cond delay="0"/>
+                                  </p:stCondLst>
+                                  <p:childTnLst>
+                                    <p:set>
+                                      <p:cBhvr>
+                                        <p:cTn id="6" dur="1" fill="hold">
+                                          <p:stCondLst>
+                                            <p:cond delay="0"/>
+                                          </p:stCondLst>
+                                        </p:cTn>
+                                        <p:tgtEl>
+                                          <p:spTgt spid="27"/>
+                                        </p:tgtEl>
+                                        <p:attrNameLst>
+                                          <p:attrName>style.visibility</p:attrName>
+                                        </p:attrNameLst>
+                                      </p:cBhvr>
+                                      <p:to>
+                                        <p:strVal val="visible"/>
+                                      </p:to>
+                                    </p:set>
+                                    <p:animEffect transition="in" filter="fade">
+                                      <p:cBhvr>
+                                        <p:cTn id="7" dur="500"/>
+                                        <p:tgtEl>
+                                          <p:spTgt spid="27"/>
+                                        </p:tgtEl>
+                                      </p:cBhvr>
+                                    </p:animEffect>
+                                  </p:childTnLst>
+                                </p:cTn>
+                              </p:par>
+                              <p:par>
+                                <p:cTn id="8" presetID="10" presetClass="entr" presetSubtype="0" fill="hold" nodeType="withEffect">
+                                  <p:stCondLst>
+                                    <p:cond delay="0"/>
+                                  </p:stCondLst>
+                                  <p:childTnLst>
+                                    <p:set>
+                                      <p:cBhvr>
+                                        <p:cTn id="9" dur="1" fill="hold">
+                                          <p:stCondLst>
+                                            <p:cond delay="0"/>
+                                          </p:stCondLst>
+                                        </p:cTn>
+                                        <p:tgtEl>
+                                          <p:spTgt spid="8"/>
+                                        </p:tgtEl>
+                                        <p:attrNameLst>
+                                          <p:attrName>style.visibility</p:attrName>
+                                        </p:attrNameLst>
+                                      </p:cBhvr>
+                                      <p:to>
+                                        <p:strVal val="visible"/>
+                                      </p:to>
+                                    </p:set>
+                                    <p:animEffect transition="in" filter="fade">
+                                      <p:cBhvr>
+                                        <p:cTn id="10" dur="500"/>
+                                        <p:tgtEl>
+                                          <p:spTgt spid="8"/>
+                                        </p:tgtEl>
+                                      </p:cBhvr>
+                                    </p:animEffect>
+                                  </p:childTnLst>
+                                </p:cTn>
+                              </p:par>
+                              <p:par>
+                                <p:cTn id="11" presetID="10" presetClass="entr" presetSubtype="0" fill="hold" grpId="0" nodeType="withEffect">
+                                  <p:stCondLst>
+                                    <p:cond delay="0"/>
+                                  </p:stCondLst>
+                                  <p:childTnLst>
+                                    <p:set>
+                                      <p:cBhvr>
+                                        <p:cTn id="12" dur="1" fill="hold">
+                                          <p:stCondLst>
+                                            <p:cond delay="0"/>
+                                          </p:stCondLst>
+                                        </p:cTn>
+                                        <p:tgtEl>
+                                          <p:spTgt spid="6"/>
+                                        </p:tgtEl>
+                                        <p:attrNameLst>
+                                          <p:attrName>style.visibility</p:attrName>
+                                        </p:attrNameLst>
+                                      </p:cBhvr>
+                                      <p:to>
+                                        <p:strVal val="visible"/>
+                                      </p:to>
+                                    </p:set>
+                                    <p:animEffect transition="in" filter="fade">
+                                      <p:cBhvr>
+                                        <p:cTn id="13" dur="500"/>
+                                        <p:tgtEl>
+                                          <p:spTgt spid="6"/>
+                                        </p:tgtEl>
+                                      </p:cBhvr>
+                                    </p:animEffect>
+                                  </p:childTnLst>
+                                </p:cTn>
+                              </p:par>
+                              <p:par>
+                                <p:cTn id="14" presetID="10" presetClass="entr" presetSubtype="0" fill="hold" grpId="0" nodeType="withEffect">
+                                  <p:stCondLst>
+                                    <p:cond delay="0"/>
+                                  </p:stCondLst>
+                                  <p:childTnLst>
+                                    <p:set>
+                                      <p:cBhvr>
+                                        <p:cTn id="15" dur="1" fill="hold">
+                                          <p:stCondLst>
+                                            <p:cond delay="0"/>
+                                          </p:stCondLst>
+                                        </p:cTn>
+                                        <p:tgtEl>
+                                          <p:spTgt spid="13"/>
+                                        </p:tgtEl>
+                                        <p:attrNameLst>
+                                          <p:attrName>style.visibility</p:attrName>
+                                        </p:attrNameLst>
+                                      </p:cBhvr>
+                                      <p:to>
+                                        <p:strVal val="visible"/>
+                                      </p:to>
+                                    </p:set>
+                                    <p:animEffect transition="in" filter="fade">
+                                      <p:cBhvr>
+                                        <p:cTn id="16" dur="500"/>
+                                        <p:tgtEl>
+                                          <p:spTgt spid="13"/>
+                                        </p:tgtEl>
+                                      </p:cBhvr>
+                                    </p:animEffect>
+                                  </p:childTnLst>
+                                </p:cTn>
+                              </p:par>
+                            </p:childTnLst>
+                          </p:cTn>
+                        </p:par>
+                      </p:childTnLst>
+                    </p:cTn>
+                  </p:par>
+                  <p:par>
+                    <p:cTn id="17" fill="hold">
+                      <p:stCondLst>
+                        <p:cond delay="indefinite"/>
+                      </p:stCondLst>
+                      <p:childTnLst>
+                        <p:par>
+                          <p:cTn id="18" fill="hold">
+                            <p:stCondLst>
+                              <p:cond delay="0"/>
+                            </p:stCondLst>
+                            <p:childTnLst>
+                              <p:par>
+                                <p:cTn id="19" presetID="10" presetClass="entr" presetSubtype="0" fill="hold" grpId="0" nodeType="clickEffect">
+                                  <p:stCondLst>
+                                    <p:cond delay="0"/>
+                                  </p:stCondLst>
+                                  <p:childTnLst>
+                                    <p:set>
+                                      <p:cBhvr>
+                                        <p:cTn id="20" dur="1" fill="hold">
+                                          <p:stCondLst>
+                                            <p:cond delay="0"/>
+                                          </p:stCondLst>
+                                        </p:cTn>
+                                        <p:tgtEl>
+                                          <p:spTgt spid="28"/>
+                                        </p:tgtEl>
+                                        <p:attrNameLst>
+                                          <p:attrName>style.visibility</p:attrName>
+                                        </p:attrNameLst>
+                                      </p:cBhvr>
+                                      <p:to>
+                                        <p:strVal val="visible"/>
+                                      </p:to>
+                                    </p:set>
+                                    <p:animEffect transition="in" filter="fade">
+                                      <p:cBhvr>
+                                        <p:cTn id="21" dur="500"/>
+                                        <p:tgtEl>
+                                          <p:spTgt spid="28"/>
+                                        </p:tgtEl>
+                                      </p:cBhvr>
+                                    </p:animEffect>
+                                  </p:childTnLst>
+                                </p:cTn>
+                              </p:par>
+                              <p:par>
+                                <p:cTn id="22" presetID="10" presetClass="entr" presetSubtype="0" fill="hold" nodeType="withEffect">
+                                  <p:stCondLst>
+                                    <p:cond delay="0"/>
+                                  </p:stCondLst>
+                                  <p:childTnLst>
+                                    <p:set>
+                                      <p:cBhvr>
+                                        <p:cTn id="23" dur="1" fill="hold">
+                                          <p:stCondLst>
+                                            <p:cond delay="0"/>
+                                          </p:stCondLst>
+                                        </p:cTn>
+                                        <p:tgtEl>
+                                          <p:spTgt spid="10"/>
+                                        </p:tgtEl>
+                                        <p:attrNameLst>
+                                          <p:attrName>style.visibility</p:attrName>
+                                        </p:attrNameLst>
+                                      </p:cBhvr>
+                                      <p:to>
+                                        <p:strVal val="visible"/>
+                                      </p:to>
+                                    </p:set>
+                                    <p:animEffect transition="in" filter="fade">
+                                      <p:cBhvr>
+                                        <p:cTn id="24" dur="500"/>
+                                        <p:tgtEl>
+                                          <p:spTgt spid="10"/>
+                                        </p:tgtEl>
+                                      </p:cBhvr>
+                                    </p:animEffect>
+                                  </p:childTnLst>
+                                </p:cTn>
+                              </p:par>
+                              <p:par>
+                                <p:cTn id="25" presetID="10" presetClass="entr" presetSubtype="0" fill="hold" grpId="0" nodeType="withEffect">
+                                  <p:stCondLst>
+                                    <p:cond delay="0"/>
+                                  </p:stCondLst>
+                                  <p:childTnLst>
+                                    <p:set>
+                                      <p:cBhvr>
+                                        <p:cTn id="26" dur="1" fill="hold">
+                                          <p:stCondLst>
+                                            <p:cond delay="0"/>
+                                          </p:stCondLst>
+                                        </p:cTn>
+                                        <p:tgtEl>
+                                          <p:spTgt spid="18"/>
+                                        </p:tgtEl>
+                                        <p:attrNameLst>
+                                          <p:attrName>style.visibility</p:attrName>
+                                        </p:attrNameLst>
+                                      </p:cBhvr>
+                                      <p:to>
+                                        <p:strVal val="visible"/>
+                                      </p:to>
+                                    </p:set>
+                                    <p:animEffect transition="in" filter="fade">
+                                      <p:cBhvr>
+                                        <p:cTn id="27" dur="500"/>
+                                        <p:tgtEl>
+                                          <p:spTgt spid="18"/>
+                                        </p:tgtEl>
+                                      </p:cBhvr>
+                                    </p:animEffect>
+                                  </p:childTnLst>
+                                </p:cTn>
+                              </p:par>
+                              <p:par>
+                                <p:cTn id="28" presetID="10" presetClass="entr" presetSubtype="0" fill="hold" grpId="0" nodeType="withEffect">
+                                  <p:stCondLst>
+                                    <p:cond delay="0"/>
+                                  </p:stCondLst>
+                                  <p:childTnLst>
+                                    <p:set>
+                                      <p:cBhvr>
+                                        <p:cTn id="29" dur="1" fill="hold">
+                                          <p:stCondLst>
+                                            <p:cond delay="0"/>
+                                          </p:stCondLst>
+                                        </p:cTn>
+                                        <p:tgtEl>
+                                          <p:spTgt spid="15"/>
+                                        </p:tgtEl>
+                                        <p:attrNameLst>
+                                          <p:attrName>style.visibility</p:attrName>
+                                        </p:attrNameLst>
+                                      </p:cBhvr>
+                                      <p:to>
+                                        <p:strVal val="visible"/>
+                                      </p:to>
+                                    </p:set>
+                                    <p:animEffect transition="in" filter="fade">
+                                      <p:cBhvr>
+                                        <p:cTn id="30" dur="500"/>
+                                        <p:tgtEl>
+                                          <p:spTgt spid="15"/>
+                                        </p:tgtEl>
+                                      </p:cBhvr>
+                                    </p:animEffect>
+                                  </p:childTnLst>
+                                </p:cTn>
+                              </p:par>
+                            </p:childTnLst>
+                          </p:cTn>
+                        </p:par>
+                      </p:childTnLst>
+                    </p:cTn>
+                  </p:par>
+                </p:childTnLst>
+              </p:cTn>
+              <p:prevCondLst>
+                <p:cond evt="onPrev" delay="0">
+                  <p:tgtEl>
+                    <p:sldTgt/>
+                  </p:tgtEl>
+                </p:cond>
+              </p:prevCondLst>
+              <p:nextCondLst>
+                <p:cond evt="onNext" delay="0">
+                  <p:tgtEl>
+                    <p:sldTgt/>
+                  </p:tgtEl>
+                </p:cond>
+              </p:nextCondLst>
+            </p:seq>
+          </p:childTnLst>
+        </p:cTn>
       </p:par>
     </p:tnLst>
+    <p:bldLst>
+      <p:bldP spid="27" grpId="0"/>
+      <p:bldP spid="28" grpId="0"/>
+      <p:bldP spid="13" grpId="0" animBg="1"/>
+      <p:bldP spid="15" grpId="0" animBg="1"/>
+      <p:bldP spid="6" grpId="0" animBg="1"/>
+      <p:bldP spid="18" grpId="0" animBg="1"/>
+    </p:bldLst>
   </p:timing>
 </p:sld>
 </file>
@@ -9748,9 +10604,304 @@
   <p:timing>
     <p:tnLst>
       <p:par>
-        <p:cTn id="1" dur="indefinite" restart="never" nodeType="tmRoot"/>
+        <p:cTn id="1" dur="indefinite" restart="never" nodeType="tmRoot">
+          <p:childTnLst>
+            <p:seq concurrent="1" nextAc="seek">
+              <p:cTn id="2" dur="indefinite" nodeType="mainSeq">
+                <p:childTnLst>
+                  <p:par>
+                    <p:cTn id="3" fill="hold">
+                      <p:stCondLst>
+                        <p:cond delay="indefinite"/>
+                      </p:stCondLst>
+                      <p:childTnLst>
+                        <p:par>
+                          <p:cTn id="4" fill="hold">
+                            <p:stCondLst>
+                              <p:cond delay="0"/>
+                            </p:stCondLst>
+                            <p:childTnLst>
+                              <p:par>
+                                <p:cTn id="5" presetID="10" presetClass="entr" presetSubtype="0" fill="hold" grpId="0" nodeType="clickEffect">
+                                  <p:stCondLst>
+                                    <p:cond delay="0"/>
+                                  </p:stCondLst>
+                                  <p:childTnLst>
+                                    <p:set>
+                                      <p:cBhvr>
+                                        <p:cTn id="6" dur="1" fill="hold">
+                                          <p:stCondLst>
+                                            <p:cond delay="0"/>
+                                          </p:stCondLst>
+                                        </p:cTn>
+                                        <p:tgtEl>
+                                          <p:spTgt spid="16"/>
+                                        </p:tgtEl>
+                                        <p:attrNameLst>
+                                          <p:attrName>style.visibility</p:attrName>
+                                        </p:attrNameLst>
+                                      </p:cBhvr>
+                                      <p:to>
+                                        <p:strVal val="visible"/>
+                                      </p:to>
+                                    </p:set>
+                                    <p:animEffect transition="in" filter="fade">
+                                      <p:cBhvr>
+                                        <p:cTn id="7" dur="500"/>
+                                        <p:tgtEl>
+                                          <p:spTgt spid="16"/>
+                                        </p:tgtEl>
+                                      </p:cBhvr>
+                                    </p:animEffect>
+                                  </p:childTnLst>
+                                </p:cTn>
+                              </p:par>
+                              <p:par>
+                                <p:cTn id="8" presetID="10" presetClass="entr" presetSubtype="0" fill="hold" grpId="0" nodeType="withEffect">
+                                  <p:stCondLst>
+                                    <p:cond delay="0"/>
+                                  </p:stCondLst>
+                                  <p:childTnLst>
+                                    <p:set>
+                                      <p:cBhvr>
+                                        <p:cTn id="9" dur="1" fill="hold">
+                                          <p:stCondLst>
+                                            <p:cond delay="0"/>
+                                          </p:stCondLst>
+                                        </p:cTn>
+                                        <p:tgtEl>
+                                          <p:spTgt spid="7"/>
+                                        </p:tgtEl>
+                                        <p:attrNameLst>
+                                          <p:attrName>style.visibility</p:attrName>
+                                        </p:attrNameLst>
+                                      </p:cBhvr>
+                                      <p:to>
+                                        <p:strVal val="visible"/>
+                                      </p:to>
+                                    </p:set>
+                                    <p:animEffect transition="in" filter="fade">
+                                      <p:cBhvr>
+                                        <p:cTn id="10" dur="500"/>
+                                        <p:tgtEl>
+                                          <p:spTgt spid="7"/>
+                                        </p:tgtEl>
+                                      </p:cBhvr>
+                                    </p:animEffect>
+                                  </p:childTnLst>
+                                </p:cTn>
+                              </p:par>
+                              <p:par>
+                                <p:cTn id="11" presetID="10" presetClass="entr" presetSubtype="0" fill="hold" grpId="0" nodeType="withEffect">
+                                  <p:stCondLst>
+                                    <p:cond delay="0"/>
+                                  </p:stCondLst>
+                                  <p:childTnLst>
+                                    <p:set>
+                                      <p:cBhvr>
+                                        <p:cTn id="12" dur="1" fill="hold">
+                                          <p:stCondLst>
+                                            <p:cond delay="0"/>
+                                          </p:stCondLst>
+                                        </p:cTn>
+                                        <p:tgtEl>
+                                          <p:spTgt spid="9"/>
+                                        </p:tgtEl>
+                                        <p:attrNameLst>
+                                          <p:attrName>style.visibility</p:attrName>
+                                        </p:attrNameLst>
+                                      </p:cBhvr>
+                                      <p:to>
+                                        <p:strVal val="visible"/>
+                                      </p:to>
+                                    </p:set>
+                                    <p:animEffect transition="in" filter="fade">
+                                      <p:cBhvr>
+                                        <p:cTn id="13" dur="500"/>
+                                        <p:tgtEl>
+                                          <p:spTgt spid="9"/>
+                                        </p:tgtEl>
+                                      </p:cBhvr>
+                                    </p:animEffect>
+                                  </p:childTnLst>
+                                </p:cTn>
+                              </p:par>
+                              <p:par>
+                                <p:cTn id="14" presetID="10" presetClass="entr" presetSubtype="0" fill="hold" grpId="0" nodeType="withEffect">
+                                  <p:stCondLst>
+                                    <p:cond delay="0"/>
+                                  </p:stCondLst>
+                                  <p:childTnLst>
+                                    <p:set>
+                                      <p:cBhvr>
+                                        <p:cTn id="15" dur="1" fill="hold">
+                                          <p:stCondLst>
+                                            <p:cond delay="0"/>
+                                          </p:stCondLst>
+                                        </p:cTn>
+                                        <p:tgtEl>
+                                          <p:spTgt spid="19"/>
+                                        </p:tgtEl>
+                                        <p:attrNameLst>
+                                          <p:attrName>style.visibility</p:attrName>
+                                        </p:attrNameLst>
+                                      </p:cBhvr>
+                                      <p:to>
+                                        <p:strVal val="visible"/>
+                                      </p:to>
+                                    </p:set>
+                                    <p:animEffect transition="in" filter="fade">
+                                      <p:cBhvr>
+                                        <p:cTn id="16" dur="500"/>
+                                        <p:tgtEl>
+                                          <p:spTgt spid="19"/>
+                                        </p:tgtEl>
+                                      </p:cBhvr>
+                                    </p:animEffect>
+                                  </p:childTnLst>
+                                </p:cTn>
+                              </p:par>
+                              <p:par>
+                                <p:cTn id="17" presetID="10" presetClass="entr" presetSubtype="0" fill="hold" grpId="0" nodeType="withEffect">
+                                  <p:stCondLst>
+                                    <p:cond delay="0"/>
+                                  </p:stCondLst>
+                                  <p:childTnLst>
+                                    <p:set>
+                                      <p:cBhvr>
+                                        <p:cTn id="18" dur="1" fill="hold">
+                                          <p:stCondLst>
+                                            <p:cond delay="0"/>
+                                          </p:stCondLst>
+                                        </p:cTn>
+                                        <p:tgtEl>
+                                          <p:spTgt spid="20"/>
+                                        </p:tgtEl>
+                                        <p:attrNameLst>
+                                          <p:attrName>style.visibility</p:attrName>
+                                        </p:attrNameLst>
+                                      </p:cBhvr>
+                                      <p:to>
+                                        <p:strVal val="visible"/>
+                                      </p:to>
+                                    </p:set>
+                                    <p:animEffect transition="in" filter="fade">
+                                      <p:cBhvr>
+                                        <p:cTn id="19" dur="500"/>
+                                        <p:tgtEl>
+                                          <p:spTgt spid="20"/>
+                                        </p:tgtEl>
+                                      </p:cBhvr>
+                                    </p:animEffect>
+                                  </p:childTnLst>
+                                </p:cTn>
+                              </p:par>
+                              <p:par>
+                                <p:cTn id="20" presetID="10" presetClass="entr" presetSubtype="0" fill="hold" grpId="0" nodeType="withEffect">
+                                  <p:stCondLst>
+                                    <p:cond delay="0"/>
+                                  </p:stCondLst>
+                                  <p:childTnLst>
+                                    <p:set>
+                                      <p:cBhvr>
+                                        <p:cTn id="21" dur="1" fill="hold">
+                                          <p:stCondLst>
+                                            <p:cond delay="0"/>
+                                          </p:stCondLst>
+                                        </p:cTn>
+                                        <p:tgtEl>
+                                          <p:spTgt spid="21"/>
+                                        </p:tgtEl>
+                                        <p:attrNameLst>
+                                          <p:attrName>style.visibility</p:attrName>
+                                        </p:attrNameLst>
+                                      </p:cBhvr>
+                                      <p:to>
+                                        <p:strVal val="visible"/>
+                                      </p:to>
+                                    </p:set>
+                                    <p:animEffect transition="in" filter="fade">
+                                      <p:cBhvr>
+                                        <p:cTn id="22" dur="500"/>
+                                        <p:tgtEl>
+                                          <p:spTgt spid="21"/>
+                                        </p:tgtEl>
+                                      </p:cBhvr>
+                                    </p:animEffect>
+                                  </p:childTnLst>
+                                </p:cTn>
+                              </p:par>
+                              <p:par>
+                                <p:cTn id="23" presetID="10" presetClass="entr" presetSubtype="0" fill="hold" grpId="0" nodeType="withEffect">
+                                  <p:stCondLst>
+                                    <p:cond delay="0"/>
+                                  </p:stCondLst>
+                                  <p:childTnLst>
+                                    <p:set>
+                                      <p:cBhvr>
+                                        <p:cTn id="24" dur="1" fill="hold">
+                                          <p:stCondLst>
+                                            <p:cond delay="0"/>
+                                          </p:stCondLst>
+                                        </p:cTn>
+                                        <p:tgtEl>
+                                          <p:spTgt spid="22"/>
+                                        </p:tgtEl>
+                                        <p:attrNameLst>
+                                          <p:attrName>style.visibility</p:attrName>
+                                        </p:attrNameLst>
+                                      </p:cBhvr>
+                                      <p:to>
+                                        <p:strVal val="visible"/>
+                                      </p:to>
+                                    </p:set>
+                                    <p:animEffect transition="in" filter="fade">
+                                      <p:cBhvr>
+                                        <p:cTn id="25" dur="500"/>
+                                        <p:tgtEl>
+                                          <p:spTgt spid="22"/>
+                                        </p:tgtEl>
+                                      </p:cBhvr>
+                                    </p:animEffect>
+                                  </p:childTnLst>
+                                </p:cTn>
+                              </p:par>
+                            </p:childTnLst>
+                          </p:cTn>
+                        </p:par>
+                      </p:childTnLst>
+                    </p:cTn>
+                  </p:par>
+                </p:childTnLst>
+              </p:cTn>
+              <p:prevCondLst>
+                <p:cond evt="onPrev" delay="0">
+                  <p:tgtEl>
+                    <p:sldTgt/>
+                  </p:tgtEl>
+                </p:cond>
+              </p:prevCondLst>
+              <p:nextCondLst>
+                <p:cond evt="onNext" delay="0">
+                  <p:tgtEl>
+                    <p:sldTgt/>
+                  </p:tgtEl>
+                </p:cond>
+              </p:nextCondLst>
+            </p:seq>
+          </p:childTnLst>
+        </p:cTn>
       </p:par>
     </p:tnLst>
+    <p:bldLst>
+      <p:bldP spid="16" grpId="0"/>
+      <p:bldP spid="7" grpId="0" animBg="1"/>
+      <p:bldP spid="9" grpId="0"/>
+      <p:bldP spid="19" grpId="0" animBg="1"/>
+      <p:bldP spid="20" grpId="0"/>
+      <p:bldP spid="21" grpId="0" animBg="1"/>
+      <p:bldP spid="22" grpId="0"/>
+    </p:bldLst>
   </p:timing>
 </p:sld>
 </file>
@@ -9900,7 +11051,7 @@
         <p:spPr>
           <a:xfrm>
             <a:off x="1159440" y="2542753"/>
-            <a:ext cx="6460560" cy="2246769"/>
+            <a:ext cx="6460560" cy="2677656"/>
           </a:xfrm>
           <a:prstGeom prst="rect">
             <a:avLst/>
@@ -9914,6 +11065,7 @@
           <a:lstStyle/>
           <a:p>
             <a:pPr marL="971526" lvl="1" indent="-514338" defTabSz="1025932">
+              <a:buFontTx/>
               <a:buAutoNum type="arabicPeriod"/>
             </a:pPr>
             <a:r>
@@ -9927,7 +11079,61 @@
                 <a:latin typeface="苹方 中等" panose="020B0400000000000000" pitchFamily="34" charset="-122"/>
                 <a:ea typeface="苹方 常规" panose="020B0300000000000000"/>
               </a:rPr>
-              <a:t>[PAD] for ‘   ’</a:t>
+              <a:t>Split into single word and </a:t>
+            </a:r>
+            <a:r>
+              <a:rPr lang="en-US" altLang="zh-CN" sz="2800" dirty="0" smtClean="0">
+                <a:solidFill>
+                  <a:schemeClr val="tx1">
+                    <a:lumMod val="85000"/>
+                    <a:lumOff val="15000"/>
+                  </a:schemeClr>
+                </a:solidFill>
+                <a:latin typeface="苹方 中等" panose="020B0400000000000000" pitchFamily="34" charset="-122"/>
+                <a:ea typeface="苹方 常规" panose="020B0300000000000000"/>
+              </a:rPr>
+              <a:t>tag</a:t>
+            </a:r>
+            <a:endParaRPr lang="en-US" altLang="zh-CN" sz="2800" dirty="0" smtClean="0">
+              <a:solidFill>
+                <a:schemeClr val="tx1">
+                  <a:lumMod val="85000"/>
+                  <a:lumOff val="15000"/>
+                </a:schemeClr>
+              </a:solidFill>
+              <a:latin typeface="苹方 中等" panose="020B0400000000000000" pitchFamily="34" charset="-122"/>
+              <a:ea typeface="苹方 常规" panose="020B0300000000000000"/>
+            </a:endParaRPr>
+          </a:p>
+          <a:p>
+            <a:pPr marL="971526" lvl="1" indent="-514338" defTabSz="1025932">
+              <a:buAutoNum type="arabicPeriod"/>
+            </a:pPr>
+            <a:r>
+              <a:rPr lang="en-US" altLang="zh-CN" sz="2800" dirty="0" smtClean="0">
+                <a:solidFill>
+                  <a:schemeClr val="tx1">
+                    <a:lumMod val="85000"/>
+                    <a:lumOff val="15000"/>
+                  </a:schemeClr>
+                </a:solidFill>
+                <a:latin typeface="苹方 中等" panose="020B0400000000000000" pitchFamily="34" charset="-122"/>
+                <a:ea typeface="苹方 常规" panose="020B0300000000000000"/>
+              </a:rPr>
+              <a:t>[</a:t>
+            </a:r>
+            <a:r>
+              <a:rPr lang="en-US" altLang="zh-CN" sz="2800" dirty="0">
+                <a:solidFill>
+                  <a:schemeClr val="tx1">
+                    <a:lumMod val="85000"/>
+                    <a:lumOff val="15000"/>
+                  </a:schemeClr>
+                </a:solidFill>
+                <a:latin typeface="苹方 中等" panose="020B0400000000000000" pitchFamily="34" charset="-122"/>
+                <a:ea typeface="苹方 常规" panose="020B0300000000000000"/>
+              </a:rPr>
+              <a:t>PAD] for ‘   ’</a:t>
             </a:r>
           </a:p>
           <a:p>
@@ -9946,16 +11152,10 @@
                 <a:latin typeface="苹方 中等" panose="020B0400000000000000" pitchFamily="34" charset="-122"/>
                 <a:ea typeface="苹方 常规" panose="020B0300000000000000"/>
               </a:rPr>
-              <a:t>[unused1] for ‘\n’</a:t>
-            </a:r>
-          </a:p>
-          <a:p>
-            <a:pPr marL="971526" lvl="1" indent="-514338" defTabSz="1025932">
-              <a:buFontTx/>
-              <a:buAutoNum type="arabicPeriod"/>
-            </a:pPr>
-            <a:r>
-              <a:rPr lang="en-US" altLang="zh-CN" sz="2800" dirty="0">
+              <a:t>[unused1] for ‘\n</a:t>
+            </a:r>
+            <a:r>
+              <a:rPr lang="en-US" altLang="zh-CN" sz="2800" dirty="0" smtClean="0">
                 <a:solidFill>
                   <a:schemeClr val="tx1">
                     <a:lumMod val="85000"/>
@@ -9965,8 +11165,21 @@
                 <a:latin typeface="苹方 中等" panose="020B0400000000000000" pitchFamily="34" charset="-122"/>
                 <a:ea typeface="苹方 常规" panose="020B0300000000000000"/>
               </a:rPr>
-              <a:t>Split into single word and tag</a:t>
-            </a:r>
+              <a:t>’</a:t>
+            </a:r>
+          </a:p>
+          <a:p>
+            <a:pPr marL="457188" lvl="1" defTabSz="1025932"/>
+            <a:endParaRPr lang="en-US" altLang="zh-CN" sz="2800" dirty="0">
+              <a:solidFill>
+                <a:schemeClr val="tx1">
+                  <a:lumMod val="85000"/>
+                  <a:lumOff val="15000"/>
+                </a:schemeClr>
+              </a:solidFill>
+              <a:latin typeface="苹方 中等" panose="020B0400000000000000" pitchFamily="34" charset="-122"/>
+              <a:ea typeface="苹方 常规" panose="020B0300000000000000"/>
+            </a:endParaRPr>
           </a:p>
           <a:p>
             <a:pPr marL="971526" lvl="1" indent="-514338" defTabSz="1025932">
@@ -10035,29 +11248,11 @@
             <a:r>
               <a:rPr lang="en-US" altLang="zh-CN" sz="1000" dirty="0">
                 <a:solidFill>
-                  <a:srgbClr val="9CDCFE"/>
-                </a:solidFill>
-                <a:latin typeface="Consolas" panose="020B0609020204030204" pitchFamily="49" charset="0"/>
-              </a:rPr>
-              <a:t>"</a:t>
-            </a:r>
-            <a:r>
-              <a:rPr lang="en-US" altLang="zh-CN" sz="1000" dirty="0">
-                <a:solidFill>
-                  <a:srgbClr val="92D050"/>
-                </a:solidFill>
-                <a:latin typeface="Consolas" panose="020B0609020204030204" pitchFamily="49" charset="0"/>
-              </a:rPr>
-              <a:t>tokens</a:t>
-            </a:r>
-            <a:r>
-              <a:rPr lang="en-US" altLang="zh-CN" sz="1000" dirty="0">
-                <a:solidFill>
-                  <a:srgbClr val="9CDCFE"/>
-                </a:solidFill>
-                <a:latin typeface="Consolas" panose="020B0609020204030204" pitchFamily="49" charset="0"/>
-              </a:rPr>
-              <a:t>"</a:t>
+                  <a:schemeClr val="accent5"/>
+                </a:solidFill>
+                <a:latin typeface="Consolas" panose="020B0609020204030204" pitchFamily="49" charset="0"/>
+              </a:rPr>
+              <a:t>"tokens"</a:t>
             </a:r>
             <a:r>
               <a:rPr lang="en-US" altLang="zh-CN" sz="1000" dirty="0">
@@ -17703,7 +18898,7 @@
             <a:r>
               <a:rPr lang="en-US" altLang="zh-CN" sz="1000" dirty="0">
                 <a:solidFill>
-                  <a:srgbClr val="9CDCFE"/>
+                  <a:schemeClr val="accent5"/>
                 </a:solidFill>
                 <a:latin typeface="Consolas" panose="020B0609020204030204" pitchFamily="49" charset="0"/>
               </a:rPr>
@@ -17760,9 +18955,142 @@
   <p:timing>
     <p:tnLst>
       <p:par>
-        <p:cTn id="1" dur="indefinite" restart="never" nodeType="tmRoot"/>
+        <p:cTn id="1" dur="indefinite" restart="never" nodeType="tmRoot">
+          <p:childTnLst>
+            <p:seq concurrent="1" nextAc="seek">
+              <p:cTn id="2" dur="indefinite" nodeType="mainSeq">
+                <p:childTnLst>
+                  <p:par>
+                    <p:cTn id="3" fill="hold">
+                      <p:stCondLst>
+                        <p:cond delay="indefinite"/>
+                      </p:stCondLst>
+                      <p:childTnLst>
+                        <p:par>
+                          <p:cTn id="4" fill="hold">
+                            <p:stCondLst>
+                              <p:cond delay="0"/>
+                            </p:stCondLst>
+                            <p:childTnLst>
+                              <p:par>
+                                <p:cTn id="5" presetID="10" presetClass="entr" presetSubtype="0" fill="hold" grpId="0" nodeType="clickEffect">
+                                  <p:stCondLst>
+                                    <p:cond delay="0"/>
+                                  </p:stCondLst>
+                                  <p:childTnLst>
+                                    <p:set>
+                                      <p:cBhvr>
+                                        <p:cTn id="6" dur="1" fill="hold">
+                                          <p:stCondLst>
+                                            <p:cond delay="0"/>
+                                          </p:stCondLst>
+                                        </p:cTn>
+                                        <p:tgtEl>
+                                          <p:spTgt spid="3"/>
+                                        </p:tgtEl>
+                                        <p:attrNameLst>
+                                          <p:attrName>style.visibility</p:attrName>
+                                        </p:attrNameLst>
+                                      </p:cBhvr>
+                                      <p:to>
+                                        <p:strVal val="visible"/>
+                                      </p:to>
+                                    </p:set>
+                                    <p:animEffect transition="in" filter="fade">
+                                      <p:cBhvr>
+                                        <p:cTn id="7" dur="500"/>
+                                        <p:tgtEl>
+                                          <p:spTgt spid="3"/>
+                                        </p:tgtEl>
+                                      </p:cBhvr>
+                                    </p:animEffect>
+                                  </p:childTnLst>
+                                </p:cTn>
+                              </p:par>
+                            </p:childTnLst>
+                          </p:cTn>
+                        </p:par>
+                      </p:childTnLst>
+                    </p:cTn>
+                  </p:par>
+                  <p:par>
+                    <p:cTn id="8" fill="hold">
+                      <p:stCondLst>
+                        <p:cond delay="indefinite"/>
+                      </p:stCondLst>
+                      <p:childTnLst>
+                        <p:par>
+                          <p:cTn id="9" fill="hold">
+                            <p:stCondLst>
+                              <p:cond delay="0"/>
+                            </p:stCondLst>
+                            <p:childTnLst>
+                              <p:par>
+                                <p:cTn id="10" presetID="10" presetClass="entr" presetSubtype="0" fill="hold" grpId="0" nodeType="clickEffect">
+                                  <p:stCondLst>
+                                    <p:cond delay="0"/>
+                                  </p:stCondLst>
+                                  <p:childTnLst>
+                                    <p:set>
+                                      <p:cBhvr>
+                                        <p:cTn id="11" dur="1" fill="hold">
+                                          <p:stCondLst>
+                                            <p:cond delay="0"/>
+                                          </p:stCondLst>
+                                        </p:cTn>
+                                        <p:tgtEl>
+                                          <p:spTgt spid="4"/>
+                                        </p:tgtEl>
+                                        <p:attrNameLst>
+                                          <p:attrName>style.visibility</p:attrName>
+                                        </p:attrNameLst>
+                                      </p:cBhvr>
+                                      <p:to>
+                                        <p:strVal val="visible"/>
+                                      </p:to>
+                                    </p:set>
+                                    <p:animEffect transition="in" filter="fade">
+                                      <p:cBhvr>
+                                        <p:cTn id="12" dur="500"/>
+                                        <p:tgtEl>
+                                          <p:spTgt spid="4"/>
+                                        </p:tgtEl>
+                                      </p:cBhvr>
+                                    </p:animEffect>
+                                  </p:childTnLst>
+                                </p:cTn>
+                              </p:par>
+                            </p:childTnLst>
+                          </p:cTn>
+                        </p:par>
+                      </p:childTnLst>
+                    </p:cTn>
+                  </p:par>
+                </p:childTnLst>
+              </p:cTn>
+              <p:prevCondLst>
+                <p:cond evt="onPrev" delay="0">
+                  <p:tgtEl>
+                    <p:sldTgt/>
+                  </p:tgtEl>
+                </p:cond>
+              </p:prevCondLst>
+              <p:nextCondLst>
+                <p:cond evt="onNext" delay="0">
+                  <p:tgtEl>
+                    <p:sldTgt/>
+                  </p:tgtEl>
+                </p:cond>
+              </p:nextCondLst>
+            </p:seq>
+          </p:childTnLst>
+        </p:cTn>
       </p:par>
     </p:tnLst>
+    <p:bldLst>
+      <p:bldP spid="3" grpId="0"/>
+      <p:bldP spid="4" grpId="0"/>
+    </p:bldLst>
   </p:timing>
 </p:sld>
 </file>
@@ -18106,7 +19434,7 @@
             <a:r>
               <a:rPr lang="en-US" altLang="zh-CN" sz="1000" dirty="0">
                 <a:solidFill>
-                  <a:srgbClr val="9CDCFE"/>
+                  <a:schemeClr val="accent5"/>
                 </a:solidFill>
                 <a:latin typeface="Consolas" panose="020B0609020204030204" pitchFamily="49" charset="0"/>
               </a:rPr>
@@ -25756,7 +27084,7 @@
             <a:r>
               <a:rPr lang="en-US" altLang="zh-CN" sz="1000" dirty="0">
                 <a:solidFill>
-                  <a:srgbClr val="9CDCFE"/>
+                  <a:schemeClr val="accent5"/>
                 </a:solidFill>
                 <a:latin typeface="Consolas" panose="020B0609020204030204" pitchFamily="49" charset="0"/>
               </a:rPr>
@@ -25813,7 +27141,213 @@
   <p:timing>
     <p:tnLst>
       <p:par>
-        <p:cTn id="1" dur="indefinite" restart="never" nodeType="tmRoot"/>
+        <p:cTn id="1" dur="indefinite" restart="never" nodeType="tmRoot">
+          <p:childTnLst>
+            <p:seq concurrent="1" nextAc="seek">
+              <p:cTn id="2" dur="indefinite" nodeType="mainSeq">
+                <p:childTnLst>
+                  <p:par>
+                    <p:cTn id="3" fill="hold">
+                      <p:stCondLst>
+                        <p:cond delay="indefinite"/>
+                      </p:stCondLst>
+                      <p:childTnLst>
+                        <p:par>
+                          <p:cTn id="4" fill="hold">
+                            <p:stCondLst>
+                              <p:cond delay="0"/>
+                            </p:stCondLst>
+                            <p:childTnLst>
+                              <p:par>
+                                <p:cTn id="5" presetID="10" presetClass="entr" presetSubtype="0" fill="hold" nodeType="clickEffect">
+                                  <p:stCondLst>
+                                    <p:cond delay="0"/>
+                                  </p:stCondLst>
+                                  <p:childTnLst>
+                                    <p:set>
+                                      <p:cBhvr>
+                                        <p:cTn id="6" dur="1" fill="hold">
+                                          <p:stCondLst>
+                                            <p:cond delay="0"/>
+                                          </p:stCondLst>
+                                        </p:cTn>
+                                        <p:tgtEl>
+                                          <p:spTgt spid="3">
+                                            <p:txEl>
+                                              <p:pRg st="0" end="0"/>
+                                            </p:txEl>
+                                          </p:spTgt>
+                                        </p:tgtEl>
+                                        <p:attrNameLst>
+                                          <p:attrName>style.visibility</p:attrName>
+                                        </p:attrNameLst>
+                                      </p:cBhvr>
+                                      <p:to>
+                                        <p:strVal val="visible"/>
+                                      </p:to>
+                                    </p:set>
+                                    <p:animEffect transition="in" filter="fade">
+                                      <p:cBhvr>
+                                        <p:cTn id="7" dur="500"/>
+                                        <p:tgtEl>
+                                          <p:spTgt spid="3">
+                                            <p:txEl>
+                                              <p:pRg st="0" end="0"/>
+                                            </p:txEl>
+                                          </p:spTgt>
+                                        </p:tgtEl>
+                                      </p:cBhvr>
+                                    </p:animEffect>
+                                  </p:childTnLst>
+                                </p:cTn>
+                              </p:par>
+                            </p:childTnLst>
+                          </p:cTn>
+                        </p:par>
+                      </p:childTnLst>
+                    </p:cTn>
+                  </p:par>
+                  <p:par>
+                    <p:cTn id="8" fill="hold">
+                      <p:stCondLst>
+                        <p:cond delay="indefinite"/>
+                      </p:stCondLst>
+                      <p:childTnLst>
+                        <p:par>
+                          <p:cTn id="9" fill="hold">
+                            <p:stCondLst>
+                              <p:cond delay="0"/>
+                            </p:stCondLst>
+                            <p:childTnLst>
+                              <p:par>
+                                <p:cTn id="10" presetID="10" presetClass="entr" presetSubtype="0" fill="hold" nodeType="clickEffect">
+                                  <p:stCondLst>
+                                    <p:cond delay="0"/>
+                                  </p:stCondLst>
+                                  <p:childTnLst>
+                                    <p:set>
+                                      <p:cBhvr>
+                                        <p:cTn id="11" dur="1" fill="hold">
+                                          <p:stCondLst>
+                                            <p:cond delay="0"/>
+                                          </p:stCondLst>
+                                        </p:cTn>
+                                        <p:tgtEl>
+                                          <p:spTgt spid="3">
+                                            <p:txEl>
+                                              <p:pRg st="1" end="1"/>
+                                            </p:txEl>
+                                          </p:spTgt>
+                                        </p:tgtEl>
+                                        <p:attrNameLst>
+                                          <p:attrName>style.visibility</p:attrName>
+                                        </p:attrNameLst>
+                                      </p:cBhvr>
+                                      <p:to>
+                                        <p:strVal val="visible"/>
+                                      </p:to>
+                                    </p:set>
+                                    <p:animEffect transition="in" filter="fade">
+                                      <p:cBhvr>
+                                        <p:cTn id="12" dur="500"/>
+                                        <p:tgtEl>
+                                          <p:spTgt spid="3">
+                                            <p:txEl>
+                                              <p:pRg st="1" end="1"/>
+                                            </p:txEl>
+                                          </p:spTgt>
+                                        </p:tgtEl>
+                                      </p:cBhvr>
+                                    </p:animEffect>
+                                  </p:childTnLst>
+                                </p:cTn>
+                              </p:par>
+                            </p:childTnLst>
+                          </p:cTn>
+                        </p:par>
+                      </p:childTnLst>
+                    </p:cTn>
+                  </p:par>
+                  <p:par>
+                    <p:cTn id="13" fill="hold">
+                      <p:stCondLst>
+                        <p:cond delay="indefinite"/>
+                      </p:stCondLst>
+                      <p:childTnLst>
+                        <p:par>
+                          <p:cTn id="14" fill="hold">
+                            <p:stCondLst>
+                              <p:cond delay="0"/>
+                            </p:stCondLst>
+                            <p:childTnLst>
+                              <p:par>
+                                <p:cTn id="15" presetID="10" presetClass="entr" presetSubtype="0" fill="hold" nodeType="clickEffect">
+                                  <p:stCondLst>
+                                    <p:cond delay="0"/>
+                                  </p:stCondLst>
+                                  <p:childTnLst>
+                                    <p:set>
+                                      <p:cBhvr>
+                                        <p:cTn id="16" dur="1" fill="hold">
+                                          <p:stCondLst>
+                                            <p:cond delay="0"/>
+                                          </p:stCondLst>
+                                        </p:cTn>
+                                        <p:tgtEl>
+                                          <p:spTgt spid="3">
+                                            <p:txEl>
+                                              <p:pRg st="2" end="2"/>
+                                            </p:txEl>
+                                          </p:spTgt>
+                                        </p:tgtEl>
+                                        <p:attrNameLst>
+                                          <p:attrName>style.visibility</p:attrName>
+                                        </p:attrNameLst>
+                                      </p:cBhvr>
+                                      <p:to>
+                                        <p:strVal val="visible"/>
+                                      </p:to>
+                                    </p:set>
+                                    <p:animEffect transition="in" filter="fade">
+                                      <p:cBhvr>
+                                        <p:cTn id="17" dur="500"/>
+                                        <p:tgtEl>
+                                          <p:spTgt spid="3">
+                                            <p:txEl>
+                                              <p:pRg st="2" end="2"/>
+                                            </p:txEl>
+                                          </p:spTgt>
+                                        </p:tgtEl>
+                                      </p:cBhvr>
+                                    </p:animEffect>
+                                  </p:childTnLst>
+                                </p:cTn>
+                              </p:par>
+                            </p:childTnLst>
+                          </p:cTn>
+                        </p:par>
+                      </p:childTnLst>
+                    </p:cTn>
+                  </p:par>
+                </p:childTnLst>
+              </p:cTn>
+              <p:prevCondLst>
+                <p:cond evt="onPrev" delay="0">
+                  <p:tgtEl>
+                    <p:sldTgt/>
+                  </p:tgtEl>
+                </p:cond>
+              </p:prevCondLst>
+              <p:nextCondLst>
+                <p:cond evt="onNext" delay="0">
+                  <p:tgtEl>
+                    <p:sldTgt/>
+                  </p:tgtEl>
+                </p:cond>
+              </p:nextCondLst>
+            </p:seq>
+          </p:childTnLst>
+        </p:cTn>
       </p:par>
     </p:tnLst>
   </p:timing>
@@ -26143,7 +27677,7 @@
           <a:lstStyle/>
           <a:p>
             <a:r>
-              <a:rPr lang="en-US" altLang="zh-CN" sz="1400" dirty="0">
+              <a:rPr lang="en-US" altLang="zh-CN" sz="1400" dirty="0" smtClean="0">
                 <a:solidFill>
                   <a:schemeClr val="bg1">
                     <a:lumMod val="65000"/>
@@ -26154,7 +27688,7 @@
               <a:t>{"</a:t>
             </a:r>
             <a:r>
-              <a:rPr lang="en-US" altLang="zh-CN" sz="1400" dirty="0">
+              <a:rPr lang="en-US" altLang="zh-CN" sz="1400" dirty="0" smtClean="0">
                 <a:solidFill>
                   <a:schemeClr val="accent5">
                     <a:lumMod val="75000"/>
@@ -26165,7 +27699,7 @@
               <a:t>context</a:t>
             </a:r>
             <a:r>
-              <a:rPr lang="en-US" altLang="zh-CN" sz="1400" dirty="0">
+              <a:rPr lang="en-US" altLang="zh-CN" sz="1400" dirty="0" smtClean="0">
                 <a:solidFill>
                   <a:schemeClr val="bg1">
                     <a:lumMod val="65000"/>
@@ -26176,7 +27710,7 @@
               <a:t>": "</a:t>
             </a:r>
             <a:r>
-              <a:rPr lang="zh-CN" altLang="en-US" sz="1400" dirty="0">
+              <a:rPr lang="zh-CN" altLang="en-US" sz="1400" dirty="0" smtClean="0">
                 <a:solidFill>
                   <a:srgbClr val="FFC000"/>
                 </a:solidFill>
@@ -26185,7 +27719,7 @@
               <a:t>比较好的西药，比如达力士、他卡西醇，甚至他克莫司等都是比较好的药物。还有润肤剂也还不错。另外中药，</a:t>
             </a:r>
             <a:r>
-              <a:rPr lang="en-US" altLang="zh-CN" sz="1400" dirty="0">
+              <a:rPr lang="en-US" altLang="zh-CN" sz="1400" dirty="0" smtClean="0">
                 <a:solidFill>
                   <a:srgbClr val="FFC000"/>
                 </a:solidFill>
@@ -26194,7 +27728,7 @@
               <a:t>\n </a:t>
             </a:r>
             <a:r>
-              <a:rPr lang="zh-CN" altLang="en-US" sz="1400" dirty="0">
+              <a:rPr lang="zh-CN" altLang="en-US" sz="1400" dirty="0" smtClean="0">
                 <a:solidFill>
                   <a:srgbClr val="FFC000"/>
                 </a:solidFill>
@@ -26203,7 +27737,7 @@
               <a:t>比如临床常见的湿毒膏、黄连膏、七连膏等等，包括市售的青鹏膏，效果也不错。至于激素类的药物，应该持慎用的态度。</a:t>
             </a:r>
             <a:r>
-              <a:rPr lang="en-US" altLang="zh-CN" sz="1400" dirty="0">
+              <a:rPr lang="en-US" altLang="zh-CN" sz="1400" dirty="0" smtClean="0">
                 <a:solidFill>
                   <a:srgbClr val="FFC000"/>
                 </a:solidFill>
@@ -26212,7 +27746,7 @@
               <a:t>\n </a:t>
             </a:r>
             <a:r>
-              <a:rPr lang="en-US" altLang="zh-CN" sz="1400" dirty="0" err="1">
+              <a:rPr lang="en-US" altLang="zh-CN" sz="1400" dirty="0" err="1" smtClean="0">
                 <a:solidFill>
                   <a:srgbClr val="FFC000"/>
                 </a:solidFill>
@@ -26221,7 +27755,7 @@
               <a:t>rn</a:t>
             </a:r>
             <a:r>
-              <a:rPr lang="en-US" altLang="zh-CN" sz="1400" dirty="0">
+              <a:rPr lang="en-US" altLang="zh-CN" sz="1400" dirty="0" smtClean="0">
                 <a:solidFill>
                   <a:srgbClr val="FFC000"/>
                 </a:solidFill>
@@ -26230,7 +27764,7 @@
               <a:t>\n", "question": " </a:t>
             </a:r>
             <a:r>
-              <a:rPr lang="zh-CN" altLang="en-US" sz="1400" dirty="0">
+              <a:rPr lang="zh-CN" altLang="en-US" sz="1400" dirty="0" smtClean="0">
                 <a:solidFill>
                   <a:srgbClr val="FFC000"/>
                 </a:solidFill>
@@ -26239,7 +27773,7 @@
               <a:t>银屑病涂抹什么药比较好？</a:t>
             </a:r>
             <a:r>
-              <a:rPr lang="en-US" altLang="zh-CN" sz="1400" dirty="0">
+              <a:rPr lang="en-US" altLang="zh-CN" sz="1400" dirty="0" smtClean="0">
                 <a:solidFill>
                   <a:srgbClr val="FFC000"/>
                 </a:solidFill>
@@ -26248,7 +27782,7 @@
               <a:t>\n</a:t>
             </a:r>
             <a:r>
-              <a:rPr lang="en-US" altLang="zh-CN" sz="1400" dirty="0">
+              <a:rPr lang="en-US" altLang="zh-CN" sz="1400" dirty="0" smtClean="0">
                 <a:solidFill>
                   <a:schemeClr val="bg1">
                     <a:lumMod val="65000"/>
@@ -26259,7 +27793,7 @@
               <a:t>", "</a:t>
             </a:r>
             <a:r>
-              <a:rPr lang="en-US" altLang="zh-CN" sz="1400" dirty="0">
+              <a:rPr lang="en-US" altLang="zh-CN" sz="1400" dirty="0" smtClean="0">
                 <a:solidFill>
                   <a:schemeClr val="accent5">
                     <a:lumMod val="75000"/>
@@ -26270,7 +27804,7 @@
               <a:t>condition</a:t>
             </a:r>
             <a:r>
-              <a:rPr lang="en-US" altLang="zh-CN" sz="1400" dirty="0">
+              <a:rPr lang="en-US" altLang="zh-CN" sz="1400" dirty="0" smtClean="0">
                 <a:solidFill>
                   <a:schemeClr val="bg1">
                     <a:lumMod val="65000"/>
@@ -26281,7 +27815,7 @@
               <a:t>":</a:t>
             </a:r>
             <a:r>
-              <a:rPr lang="en-US" altLang="zh-CN" sz="1400" dirty="0">
+              <a:rPr lang="en-US" altLang="zh-CN" sz="1400" dirty="0" smtClean="0">
                 <a:solidFill>
                   <a:srgbClr val="D4D4D4"/>
                 </a:solidFill>
@@ -26290,7 +27824,7 @@
               <a:t> </a:t>
             </a:r>
             <a:r>
-              <a:rPr lang="en-US" altLang="zh-CN" sz="1400" dirty="0">
+              <a:rPr lang="en-US" altLang="zh-CN" sz="1400" dirty="0" smtClean="0">
                 <a:solidFill>
                   <a:schemeClr val="bg1">
                     <a:lumMod val="65000"/>
@@ -26301,7 +27835,7 @@
               <a:t>[], "</a:t>
             </a:r>
             <a:r>
-              <a:rPr lang="en-US" altLang="zh-CN" sz="1400" dirty="0">
+              <a:rPr lang="en-US" altLang="zh-CN" sz="1400" dirty="0" smtClean="0">
                 <a:solidFill>
                   <a:schemeClr val="accent5">
                     <a:lumMod val="75000"/>
@@ -26312,7 +27846,7 @@
               <a:t>coarse</a:t>
             </a:r>
             <a:r>
-              <a:rPr lang="en-US" altLang="zh-CN" sz="1400" dirty="0">
+              <a:rPr lang="en-US" altLang="zh-CN" sz="1400" dirty="0" smtClean="0">
                 <a:solidFill>
                   <a:srgbClr val="D4D4D4"/>
                 </a:solidFill>
@@ -26321,7 +27855,7 @@
               <a:t>": </a:t>
             </a:r>
             <a:r>
-              <a:rPr lang="en-US" altLang="zh-CN" sz="1400" dirty="0">
+              <a:rPr lang="en-US" altLang="zh-CN" sz="1400" dirty="0" smtClean="0">
                 <a:solidFill>
                   <a:schemeClr val="bg1">
                     <a:lumMod val="65000"/>
@@ -26332,7 +27866,7 @@
               <a:t>[["</a:t>
             </a:r>
             <a:r>
-              <a:rPr lang="zh-CN" altLang="en-US" sz="1400" dirty="0">
+              <a:rPr lang="zh-CN" altLang="en-US" sz="1400" dirty="0" smtClean="0">
                 <a:solidFill>
                   <a:srgbClr val="92D050"/>
                 </a:solidFill>
@@ -26341,7 +27875,7 @@
               <a:t>西药</a:t>
             </a:r>
             <a:r>
-              <a:rPr lang="en-US" altLang="zh-CN" sz="1400" dirty="0">
+              <a:rPr lang="en-US" altLang="zh-CN" sz="1400" dirty="0" smtClean="0">
                 <a:solidFill>
                   <a:schemeClr val="bg1">
                     <a:lumMod val="65000"/>
@@ -26352,7 +27886,7 @@
               <a:t>", </a:t>
             </a:r>
             <a:r>
-              <a:rPr lang="en-US" altLang="zh-CN" sz="1400" dirty="0">
+              <a:rPr lang="en-US" altLang="zh-CN" sz="1400" dirty="0" smtClean="0">
                 <a:solidFill>
                   <a:srgbClr val="92D050"/>
                 </a:solidFill>
@@ -26361,7 +27895,7 @@
               <a:t>[4, 6]</a:t>
             </a:r>
             <a:r>
-              <a:rPr lang="en-US" altLang="zh-CN" sz="1400" dirty="0">
+              <a:rPr lang="en-US" altLang="zh-CN" sz="1400" dirty="0" smtClean="0">
                 <a:solidFill>
                   <a:schemeClr val="bg1">
                     <a:lumMod val="65000"/>
@@ -26372,7 +27906,7 @@
               <a:t>], ["</a:t>
             </a:r>
             <a:r>
-              <a:rPr lang="zh-CN" altLang="en-US" sz="1400" dirty="0">
+              <a:rPr lang="zh-CN" altLang="en-US" sz="1400" dirty="0" smtClean="0">
                 <a:solidFill>
                   <a:srgbClr val="92D050"/>
                 </a:solidFill>
@@ -26381,7 +27915,7 @@
               <a:t>润肤剂</a:t>
             </a:r>
             <a:r>
-              <a:rPr lang="en-US" altLang="zh-CN" sz="1400" dirty="0">
+              <a:rPr lang="en-US" altLang="zh-CN" sz="1400" dirty="0" smtClean="0">
                 <a:solidFill>
                   <a:schemeClr val="bg1">
                     <a:lumMod val="65000"/>
@@ -26392,7 +27926,7 @@
               <a:t>", </a:t>
             </a:r>
             <a:r>
-              <a:rPr lang="en-US" altLang="zh-CN" sz="1400" dirty="0">
+              <a:rPr lang="en-US" altLang="zh-CN" sz="1400" dirty="0" smtClean="0">
                 <a:solidFill>
                   <a:srgbClr val="92D050"/>
                 </a:solidFill>
@@ -26401,7 +27935,7 @@
               <a:t>[36, 39]</a:t>
             </a:r>
             <a:r>
-              <a:rPr lang="en-US" altLang="zh-CN" sz="1400" dirty="0">
+              <a:rPr lang="en-US" altLang="zh-CN" sz="1400" dirty="0" smtClean="0">
                 <a:solidFill>
                   <a:schemeClr val="bg1">
                     <a:lumMod val="65000"/>
@@ -26412,7 +27946,7 @@
               <a:t>], ["</a:t>
             </a:r>
             <a:r>
-              <a:rPr lang="zh-CN" altLang="en-US" sz="1400" dirty="0">
+              <a:rPr lang="zh-CN" altLang="en-US" sz="1400" dirty="0" smtClean="0">
                 <a:solidFill>
                   <a:srgbClr val="92D050"/>
                 </a:solidFill>
@@ -26421,7 +27955,7 @@
               <a:t>中药</a:t>
             </a:r>
             <a:r>
-              <a:rPr lang="en-US" altLang="zh-CN" sz="1400" dirty="0">
+              <a:rPr lang="en-US" altLang="zh-CN" sz="1400" dirty="0" smtClean="0">
                 <a:solidFill>
                   <a:schemeClr val="bg1">
                     <a:lumMod val="65000"/>
@@ -26432,7 +27966,7 @@
               <a:t>", </a:t>
             </a:r>
             <a:r>
-              <a:rPr lang="en-US" altLang="zh-CN" sz="1400" dirty="0">
+              <a:rPr lang="en-US" altLang="zh-CN" sz="1400" dirty="0" smtClean="0">
                 <a:solidFill>
                   <a:srgbClr val="92D050"/>
                 </a:solidFill>
@@ -26441,7 +27975,7 @@
               <a:t>[46, 48]</a:t>
             </a:r>
             <a:r>
-              <a:rPr lang="en-US" altLang="zh-CN" sz="1400" dirty="0">
+              <a:rPr lang="en-US" altLang="zh-CN" sz="1400" dirty="0" smtClean="0">
                 <a:solidFill>
                   <a:schemeClr val="bg1">
                     <a:lumMod val="65000"/>
@@ -26452,7 +27986,7 @@
               <a:t>], ["</a:t>
             </a:r>
             <a:r>
-              <a:rPr lang="zh-CN" altLang="en-US" sz="1400" dirty="0">
+              <a:rPr lang="zh-CN" altLang="en-US" sz="1400" dirty="0" smtClean="0">
                 <a:solidFill>
                   <a:srgbClr val="92D050"/>
                 </a:solidFill>
@@ -26461,7 +27995,7 @@
               <a:t>激素类的药物</a:t>
             </a:r>
             <a:r>
-              <a:rPr lang="en-US" altLang="zh-CN" sz="1400" dirty="0">
+              <a:rPr lang="en-US" altLang="zh-CN" sz="1400" dirty="0" smtClean="0">
                 <a:solidFill>
                   <a:schemeClr val="bg1">
                     <a:lumMod val="65000"/>
@@ -26472,7 +28006,7 @@
               <a:t>", </a:t>
             </a:r>
             <a:r>
-              <a:rPr lang="en-US" altLang="zh-CN" sz="1400" dirty="0">
+              <a:rPr lang="en-US" altLang="zh-CN" sz="1400" dirty="0" smtClean="0">
                 <a:solidFill>
                   <a:srgbClr val="92D050"/>
                 </a:solidFill>
@@ -26481,7 +28015,7 @@
               <a:t>[89, 95]</a:t>
             </a:r>
             <a:r>
-              <a:rPr lang="en-US" altLang="zh-CN" sz="1400" dirty="0">
+              <a:rPr lang="en-US" altLang="zh-CN" sz="1400" dirty="0" smtClean="0">
                 <a:solidFill>
                   <a:schemeClr val="bg1">
                     <a:lumMod val="65000"/>
@@ -26492,7 +28026,7 @@
               <a:t>]], "</a:t>
             </a:r>
             <a:r>
-              <a:rPr lang="en-US" altLang="zh-CN" sz="1400" dirty="0">
+              <a:rPr lang="en-US" altLang="zh-CN" sz="1400" dirty="0" smtClean="0">
                 <a:solidFill>
                   <a:schemeClr val="accent5">
                     <a:lumMod val="75000"/>
@@ -26503,7 +28037,7 @@
               <a:t>fine</a:t>
             </a:r>
             <a:r>
-              <a:rPr lang="en-US" altLang="zh-CN" sz="1400" dirty="0">
+              <a:rPr lang="en-US" altLang="zh-CN" sz="1400" dirty="0" smtClean="0">
                 <a:solidFill>
                   <a:schemeClr val="bg1">
                     <a:lumMod val="65000"/>
@@ -26514,16 +28048,16 @@
               <a:t>": [["</a:t>
             </a:r>
             <a:r>
-              <a:rPr lang="zh-CN" altLang="en-US" sz="1400" dirty="0">
-                <a:solidFill>
-                  <a:srgbClr val="7030A0"/>
+              <a:rPr lang="zh-CN" altLang="en-US" sz="1400" dirty="0" smtClean="0">
+                <a:solidFill>
+                  <a:srgbClr val="92D050"/>
                 </a:solidFill>
                 <a:latin typeface="Consolas" panose="020B0609020204030204" pitchFamily="49" charset="0"/>
               </a:rPr>
               <a:t>达力士</a:t>
             </a:r>
             <a:r>
-              <a:rPr lang="en-US" altLang="zh-CN" sz="1400" dirty="0">
+              <a:rPr lang="en-US" altLang="zh-CN" sz="1400" dirty="0" smtClean="0">
                 <a:solidFill>
                   <a:schemeClr val="bg1">
                     <a:lumMod val="65000"/>
@@ -26534,16 +28068,16 @@
               <a:t>", </a:t>
             </a:r>
             <a:r>
-              <a:rPr lang="en-US" altLang="zh-CN" sz="1400" dirty="0">
-                <a:solidFill>
-                  <a:srgbClr val="7030A0"/>
+              <a:rPr lang="en-US" altLang="zh-CN" sz="1400" dirty="0" smtClean="0">
+                <a:solidFill>
+                  <a:srgbClr val="92D050"/>
                 </a:solidFill>
                 <a:latin typeface="Consolas" panose="020B0609020204030204" pitchFamily="49" charset="0"/>
               </a:rPr>
               <a:t>[9, 12]</a:t>
             </a:r>
             <a:r>
-              <a:rPr lang="en-US" altLang="zh-CN" sz="1400" dirty="0">
+              <a:rPr lang="en-US" altLang="zh-CN" sz="1400" dirty="0" smtClean="0">
                 <a:solidFill>
                   <a:schemeClr val="bg1">
                     <a:lumMod val="65000"/>
@@ -26554,16 +28088,16 @@
               <a:t>], ["</a:t>
             </a:r>
             <a:r>
-              <a:rPr lang="zh-CN" altLang="en-US" sz="1400" dirty="0">
-                <a:solidFill>
-                  <a:srgbClr val="7030A0"/>
+              <a:rPr lang="zh-CN" altLang="en-US" sz="1400" dirty="0" smtClean="0">
+                <a:solidFill>
+                  <a:srgbClr val="92D050"/>
                 </a:solidFill>
                 <a:latin typeface="Consolas" panose="020B0609020204030204" pitchFamily="49" charset="0"/>
               </a:rPr>
               <a:t>他卡西醇</a:t>
             </a:r>
             <a:r>
-              <a:rPr lang="en-US" altLang="zh-CN" sz="1400" dirty="0">
+              <a:rPr lang="en-US" altLang="zh-CN" sz="1400" dirty="0" smtClean="0">
                 <a:solidFill>
                   <a:schemeClr val="bg1">
                     <a:lumMod val="65000"/>
@@ -26574,16 +28108,16 @@
               <a:t>", </a:t>
             </a:r>
             <a:r>
-              <a:rPr lang="en-US" altLang="zh-CN" sz="1400" dirty="0">
-                <a:solidFill>
-                  <a:srgbClr val="7030A0"/>
+              <a:rPr lang="en-US" altLang="zh-CN" sz="1400" dirty="0" smtClean="0">
+                <a:solidFill>
+                  <a:srgbClr val="92D050"/>
                 </a:solidFill>
                 <a:latin typeface="Consolas" panose="020B0609020204030204" pitchFamily="49" charset="0"/>
               </a:rPr>
               <a:t>[13, 17]</a:t>
             </a:r>
             <a:r>
-              <a:rPr lang="en-US" altLang="zh-CN" sz="1400" dirty="0">
+              <a:rPr lang="en-US" altLang="zh-CN" sz="1400" dirty="0" smtClean="0">
                 <a:solidFill>
                   <a:schemeClr val="bg1">
                     <a:lumMod val="65000"/>
@@ -26594,16 +28128,16 @@
               <a:t>], ["</a:t>
             </a:r>
             <a:r>
-              <a:rPr lang="zh-CN" altLang="en-US" sz="1400" dirty="0">
-                <a:solidFill>
-                  <a:srgbClr val="7030A0"/>
+              <a:rPr lang="zh-CN" altLang="en-US" sz="1400" dirty="0" smtClean="0">
+                <a:solidFill>
+                  <a:srgbClr val="92D050"/>
                 </a:solidFill>
                 <a:latin typeface="Consolas" panose="020B0609020204030204" pitchFamily="49" charset="0"/>
               </a:rPr>
               <a:t>他克莫司</a:t>
             </a:r>
             <a:r>
-              <a:rPr lang="en-US" altLang="zh-CN" sz="1400" dirty="0">
+              <a:rPr lang="en-US" altLang="zh-CN" sz="1400" dirty="0" smtClean="0">
                 <a:solidFill>
                   <a:schemeClr val="bg1">
                     <a:lumMod val="65000"/>
@@ -26614,16 +28148,16 @@
               <a:t>", </a:t>
             </a:r>
             <a:r>
-              <a:rPr lang="en-US" altLang="zh-CN" sz="1400" dirty="0">
-                <a:solidFill>
-                  <a:srgbClr val="7030A0"/>
+              <a:rPr lang="en-US" altLang="zh-CN" sz="1400" dirty="0" smtClean="0">
+                <a:solidFill>
+                  <a:srgbClr val="92D050"/>
                 </a:solidFill>
                 <a:latin typeface="Consolas" panose="020B0609020204030204" pitchFamily="49" charset="0"/>
               </a:rPr>
               <a:t>[20, 24]</a:t>
             </a:r>
             <a:r>
-              <a:rPr lang="en-US" altLang="zh-CN" sz="1400" dirty="0">
+              <a:rPr lang="en-US" altLang="zh-CN" sz="1400" dirty="0" smtClean="0">
                 <a:solidFill>
                   <a:schemeClr val="bg1">
                     <a:lumMod val="65000"/>
@@ -26634,16 +28168,16 @@
               <a:t>], ["</a:t>
             </a:r>
             <a:r>
-              <a:rPr lang="zh-CN" altLang="en-US" sz="1400" dirty="0">
-                <a:solidFill>
-                  <a:srgbClr val="7030A0"/>
+              <a:rPr lang="zh-CN" altLang="en-US" sz="1400" dirty="0" smtClean="0">
+                <a:solidFill>
+                  <a:srgbClr val="92D050"/>
                 </a:solidFill>
                 <a:latin typeface="Consolas" panose="020B0609020204030204" pitchFamily="49" charset="0"/>
               </a:rPr>
               <a:t>湿毒膏</a:t>
             </a:r>
             <a:r>
-              <a:rPr lang="en-US" altLang="zh-CN" sz="1400" dirty="0">
+              <a:rPr lang="en-US" altLang="zh-CN" sz="1400" dirty="0" smtClean="0">
                 <a:solidFill>
                   <a:schemeClr val="bg1">
                     <a:lumMod val="65000"/>
@@ -26654,16 +28188,16 @@
               <a:t>", </a:t>
             </a:r>
             <a:r>
-              <a:rPr lang="en-US" altLang="zh-CN" sz="1400" dirty="0">
-                <a:solidFill>
-                  <a:srgbClr val="7030A0"/>
+              <a:rPr lang="en-US" altLang="zh-CN" sz="1400" dirty="0" smtClean="0">
+                <a:solidFill>
+                  <a:srgbClr val="92D050"/>
                 </a:solidFill>
                 <a:latin typeface="Consolas" panose="020B0609020204030204" pitchFamily="49" charset="0"/>
               </a:rPr>
               <a:t>[58, 61]</a:t>
             </a:r>
             <a:r>
-              <a:rPr lang="en-US" altLang="zh-CN" sz="1400" dirty="0">
+              <a:rPr lang="en-US" altLang="zh-CN" sz="1400" dirty="0" smtClean="0">
                 <a:solidFill>
                   <a:schemeClr val="bg1">
                     <a:lumMod val="65000"/>
@@ -26674,16 +28208,16 @@
               <a:t>], ["</a:t>
             </a:r>
             <a:r>
-              <a:rPr lang="zh-CN" altLang="en-US" sz="1400" dirty="0">
-                <a:solidFill>
-                  <a:srgbClr val="7030A0"/>
+              <a:rPr lang="zh-CN" altLang="en-US" sz="1400" dirty="0" smtClean="0">
+                <a:solidFill>
+                  <a:srgbClr val="92D050"/>
                 </a:solidFill>
                 <a:latin typeface="Consolas" panose="020B0609020204030204" pitchFamily="49" charset="0"/>
               </a:rPr>
               <a:t>黄连膏</a:t>
             </a:r>
             <a:r>
-              <a:rPr lang="en-US" altLang="zh-CN" sz="1400" dirty="0">
+              <a:rPr lang="en-US" altLang="zh-CN" sz="1400" dirty="0" smtClean="0">
                 <a:solidFill>
                   <a:schemeClr val="bg1">
                     <a:lumMod val="65000"/>
@@ -26694,16 +28228,16 @@
               <a:t>", </a:t>
             </a:r>
             <a:r>
-              <a:rPr lang="en-US" altLang="zh-CN" sz="1400" dirty="0">
-                <a:solidFill>
-                  <a:srgbClr val="7030A0"/>
+              <a:rPr lang="en-US" altLang="zh-CN" sz="1400" dirty="0" smtClean="0">
+                <a:solidFill>
+                  <a:srgbClr val="92D050"/>
                 </a:solidFill>
                 <a:latin typeface="Consolas" panose="020B0609020204030204" pitchFamily="49" charset="0"/>
               </a:rPr>
               <a:t>[62, 65]</a:t>
             </a:r>
             <a:r>
-              <a:rPr lang="en-US" altLang="zh-CN" sz="1400" dirty="0">
+              <a:rPr lang="en-US" altLang="zh-CN" sz="1400" dirty="0" smtClean="0">
                 <a:solidFill>
                   <a:schemeClr val="bg1">
                     <a:lumMod val="65000"/>
@@ -26714,16 +28248,16 @@
               <a:t>], ["</a:t>
             </a:r>
             <a:r>
-              <a:rPr lang="zh-CN" altLang="en-US" sz="1400" dirty="0">
-                <a:solidFill>
-                  <a:srgbClr val="7030A0"/>
+              <a:rPr lang="zh-CN" altLang="en-US" sz="1400" dirty="0" smtClean="0">
+                <a:solidFill>
+                  <a:srgbClr val="92D050"/>
                 </a:solidFill>
                 <a:latin typeface="Consolas" panose="020B0609020204030204" pitchFamily="49" charset="0"/>
               </a:rPr>
               <a:t>七连膏</a:t>
             </a:r>
             <a:r>
-              <a:rPr lang="en-US" altLang="zh-CN" sz="1400" dirty="0">
+              <a:rPr lang="en-US" altLang="zh-CN" sz="1400" dirty="0" smtClean="0">
                 <a:solidFill>
                   <a:schemeClr val="bg1">
                     <a:lumMod val="65000"/>
@@ -26734,16 +28268,16 @@
               <a:t>", </a:t>
             </a:r>
             <a:r>
-              <a:rPr lang="en-US" altLang="zh-CN" sz="1400" dirty="0">
-                <a:solidFill>
-                  <a:srgbClr val="7030A0"/>
+              <a:rPr lang="en-US" altLang="zh-CN" sz="1400" dirty="0" smtClean="0">
+                <a:solidFill>
+                  <a:srgbClr val="92D050"/>
                 </a:solidFill>
                 <a:latin typeface="Consolas" panose="020B0609020204030204" pitchFamily="49" charset="0"/>
               </a:rPr>
               <a:t>[66, 69]</a:t>
             </a:r>
             <a:r>
-              <a:rPr lang="en-US" altLang="zh-CN" sz="1400" dirty="0">
+              <a:rPr lang="en-US" altLang="zh-CN" sz="1400" dirty="0" smtClean="0">
                 <a:solidFill>
                   <a:schemeClr val="bg1">
                     <a:lumMod val="65000"/>
@@ -26754,16 +28288,16 @@
               <a:t>], ["</a:t>
             </a:r>
             <a:r>
-              <a:rPr lang="zh-CN" altLang="en-US" sz="1400" dirty="0">
-                <a:solidFill>
-                  <a:srgbClr val="7030A0"/>
+              <a:rPr lang="zh-CN" altLang="en-US" sz="1400" dirty="0" smtClean="0">
+                <a:solidFill>
+                  <a:srgbClr val="92D050"/>
                 </a:solidFill>
                 <a:latin typeface="Consolas" panose="020B0609020204030204" pitchFamily="49" charset="0"/>
               </a:rPr>
               <a:t>青鹏膏</a:t>
             </a:r>
             <a:r>
-              <a:rPr lang="en-US" altLang="zh-CN" sz="1400" dirty="0">
+              <a:rPr lang="en-US" altLang="zh-CN" sz="1400" dirty="0" smtClean="0">
                 <a:solidFill>
                   <a:schemeClr val="bg1">
                     <a:lumMod val="65000"/>
@@ -26774,16 +28308,16 @@
               <a:t>", </a:t>
             </a:r>
             <a:r>
-              <a:rPr lang="en-US" altLang="zh-CN" sz="1400" dirty="0">
-                <a:solidFill>
-                  <a:srgbClr val="7030A0"/>
+              <a:rPr lang="en-US" altLang="zh-CN" sz="1400" dirty="0" smtClean="0">
+                <a:solidFill>
+                  <a:srgbClr val="92D050"/>
                 </a:solidFill>
                 <a:latin typeface="Consolas" panose="020B0609020204030204" pitchFamily="49" charset="0"/>
               </a:rPr>
               <a:t>[77, 80]</a:t>
             </a:r>
             <a:r>
-              <a:rPr lang="en-US" altLang="zh-CN" sz="1400" dirty="0">
+              <a:rPr lang="en-US" altLang="zh-CN" sz="1400" dirty="0" smtClean="0">
                 <a:solidFill>
                   <a:schemeClr val="bg1">
                     <a:lumMod val="65000"/>
@@ -26793,6 +28327,14 @@
               </a:rPr>
               <a:t>]]}</a:t>
             </a:r>
+            <a:endParaRPr lang="en-US" altLang="zh-CN" sz="1400" dirty="0">
+              <a:solidFill>
+                <a:schemeClr val="bg1">
+                  <a:lumMod val="65000"/>
+                </a:schemeClr>
+              </a:solidFill>
+              <a:latin typeface="Consolas" panose="020B0609020204030204" pitchFamily="49" charset="0"/>
+            </a:endParaRPr>
           </a:p>
         </p:txBody>
       </p:sp>
@@ -26809,9 +28351,271 @@
   <p:timing>
     <p:tnLst>
       <p:par>
-        <p:cTn id="1" dur="indefinite" restart="never" nodeType="tmRoot"/>
+        <p:cTn id="1" dur="indefinite" restart="never" nodeType="tmRoot">
+          <p:childTnLst>
+            <p:seq concurrent="1" nextAc="seek">
+              <p:cTn id="2" dur="indefinite" nodeType="mainSeq">
+                <p:childTnLst>
+                  <p:par>
+                    <p:cTn id="3" fill="hold">
+                      <p:stCondLst>
+                        <p:cond delay="indefinite"/>
+                      </p:stCondLst>
+                      <p:childTnLst>
+                        <p:par>
+                          <p:cTn id="4" fill="hold">
+                            <p:stCondLst>
+                              <p:cond delay="0"/>
+                            </p:stCondLst>
+                            <p:childTnLst>
+                              <p:par>
+                                <p:cTn id="5" presetID="10" presetClass="entr" presetSubtype="0" fill="hold" nodeType="clickEffect">
+                                  <p:stCondLst>
+                                    <p:cond delay="0"/>
+                                  </p:stCondLst>
+                                  <p:childTnLst>
+                                    <p:set>
+                                      <p:cBhvr>
+                                        <p:cTn id="6" dur="1" fill="hold">
+                                          <p:stCondLst>
+                                            <p:cond delay="0"/>
+                                          </p:stCondLst>
+                                        </p:cTn>
+                                        <p:tgtEl>
+                                          <p:spTgt spid="3">
+                                            <p:txEl>
+                                              <p:pRg st="0" end="0"/>
+                                            </p:txEl>
+                                          </p:spTgt>
+                                        </p:tgtEl>
+                                        <p:attrNameLst>
+                                          <p:attrName>style.visibility</p:attrName>
+                                        </p:attrNameLst>
+                                      </p:cBhvr>
+                                      <p:to>
+                                        <p:strVal val="visible"/>
+                                      </p:to>
+                                    </p:set>
+                                    <p:animEffect transition="in" filter="fade">
+                                      <p:cBhvr>
+                                        <p:cTn id="7" dur="500"/>
+                                        <p:tgtEl>
+                                          <p:spTgt spid="3">
+                                            <p:txEl>
+                                              <p:pRg st="0" end="0"/>
+                                            </p:txEl>
+                                          </p:spTgt>
+                                        </p:tgtEl>
+                                      </p:cBhvr>
+                                    </p:animEffect>
+                                  </p:childTnLst>
+                                </p:cTn>
+                              </p:par>
+                            </p:childTnLst>
+                          </p:cTn>
+                        </p:par>
+                      </p:childTnLst>
+                    </p:cTn>
+                  </p:par>
+                  <p:par>
+                    <p:cTn id="8" fill="hold">
+                      <p:stCondLst>
+                        <p:cond delay="indefinite"/>
+                      </p:stCondLst>
+                      <p:childTnLst>
+                        <p:par>
+                          <p:cTn id="9" fill="hold">
+                            <p:stCondLst>
+                              <p:cond delay="0"/>
+                            </p:stCondLst>
+                            <p:childTnLst>
+                              <p:par>
+                                <p:cTn id="10" presetID="10" presetClass="entr" presetSubtype="0" fill="hold" grpId="0" nodeType="clickEffect">
+                                  <p:stCondLst>
+                                    <p:cond delay="0"/>
+                                  </p:stCondLst>
+                                  <p:childTnLst>
+                                    <p:set>
+                                      <p:cBhvr>
+                                        <p:cTn id="11" dur="1" fill="hold">
+                                          <p:stCondLst>
+                                            <p:cond delay="0"/>
+                                          </p:stCondLst>
+                                        </p:cTn>
+                                        <p:tgtEl>
+                                          <p:spTgt spid="4"/>
+                                        </p:tgtEl>
+                                        <p:attrNameLst>
+                                          <p:attrName>style.visibility</p:attrName>
+                                        </p:attrNameLst>
+                                      </p:cBhvr>
+                                      <p:to>
+                                        <p:strVal val="visible"/>
+                                      </p:to>
+                                    </p:set>
+                                    <p:animEffect transition="in" filter="fade">
+                                      <p:cBhvr>
+                                        <p:cTn id="12" dur="500"/>
+                                        <p:tgtEl>
+                                          <p:spTgt spid="4"/>
+                                        </p:tgtEl>
+                                      </p:cBhvr>
+                                    </p:animEffect>
+                                  </p:childTnLst>
+                                </p:cTn>
+                              </p:par>
+                            </p:childTnLst>
+                          </p:cTn>
+                        </p:par>
+                      </p:childTnLst>
+                    </p:cTn>
+                  </p:par>
+                  <p:par>
+                    <p:cTn id="13" fill="hold">
+                      <p:stCondLst>
+                        <p:cond delay="indefinite"/>
+                      </p:stCondLst>
+                      <p:childTnLst>
+                        <p:par>
+                          <p:cTn id="14" fill="hold">
+                            <p:stCondLst>
+                              <p:cond delay="0"/>
+                            </p:stCondLst>
+                            <p:childTnLst>
+                              <p:par>
+                                <p:cTn id="15" presetID="10" presetClass="entr" presetSubtype="0" fill="hold" nodeType="clickEffect">
+                                  <p:stCondLst>
+                                    <p:cond delay="0"/>
+                                  </p:stCondLst>
+                                  <p:childTnLst>
+                                    <p:set>
+                                      <p:cBhvr>
+                                        <p:cTn id="16" dur="1" fill="hold">
+                                          <p:stCondLst>
+                                            <p:cond delay="0"/>
+                                          </p:stCondLst>
+                                        </p:cTn>
+                                        <p:tgtEl>
+                                          <p:spTgt spid="3">
+                                            <p:txEl>
+                                              <p:pRg st="1" end="1"/>
+                                            </p:txEl>
+                                          </p:spTgt>
+                                        </p:tgtEl>
+                                        <p:attrNameLst>
+                                          <p:attrName>style.visibility</p:attrName>
+                                        </p:attrNameLst>
+                                      </p:cBhvr>
+                                      <p:to>
+                                        <p:strVal val="visible"/>
+                                      </p:to>
+                                    </p:set>
+                                    <p:animEffect transition="in" filter="fade">
+                                      <p:cBhvr>
+                                        <p:cTn id="17" dur="500"/>
+                                        <p:tgtEl>
+                                          <p:spTgt spid="3">
+                                            <p:txEl>
+                                              <p:pRg st="1" end="1"/>
+                                            </p:txEl>
+                                          </p:spTgt>
+                                        </p:tgtEl>
+                                      </p:cBhvr>
+                                    </p:animEffect>
+                                  </p:childTnLst>
+                                </p:cTn>
+                              </p:par>
+                            </p:childTnLst>
+                          </p:cTn>
+                        </p:par>
+                      </p:childTnLst>
+                    </p:cTn>
+                  </p:par>
+                  <p:par>
+                    <p:cTn id="18" fill="hold">
+                      <p:stCondLst>
+                        <p:cond delay="indefinite"/>
+                      </p:stCondLst>
+                      <p:childTnLst>
+                        <p:par>
+                          <p:cTn id="19" fill="hold">
+                            <p:stCondLst>
+                              <p:cond delay="0"/>
+                            </p:stCondLst>
+                            <p:childTnLst>
+                              <p:par>
+                                <p:cTn id="20" presetID="10" presetClass="entr" presetSubtype="0" fill="hold" nodeType="clickEffect">
+                                  <p:stCondLst>
+                                    <p:cond delay="0"/>
+                                  </p:stCondLst>
+                                  <p:childTnLst>
+                                    <p:set>
+                                      <p:cBhvr>
+                                        <p:cTn id="21" dur="1" fill="hold">
+                                          <p:stCondLst>
+                                            <p:cond delay="0"/>
+                                          </p:stCondLst>
+                                        </p:cTn>
+                                        <p:tgtEl>
+                                          <p:spTgt spid="3">
+                                            <p:txEl>
+                                              <p:pRg st="2" end="2"/>
+                                            </p:txEl>
+                                          </p:spTgt>
+                                        </p:tgtEl>
+                                        <p:attrNameLst>
+                                          <p:attrName>style.visibility</p:attrName>
+                                        </p:attrNameLst>
+                                      </p:cBhvr>
+                                      <p:to>
+                                        <p:strVal val="visible"/>
+                                      </p:to>
+                                    </p:set>
+                                    <p:animEffect transition="in" filter="fade">
+                                      <p:cBhvr>
+                                        <p:cTn id="22" dur="500"/>
+                                        <p:tgtEl>
+                                          <p:spTgt spid="3">
+                                            <p:txEl>
+                                              <p:pRg st="2" end="2"/>
+                                            </p:txEl>
+                                          </p:spTgt>
+                                        </p:tgtEl>
+                                      </p:cBhvr>
+                                    </p:animEffect>
+                                  </p:childTnLst>
+                                </p:cTn>
+                              </p:par>
+                            </p:childTnLst>
+                          </p:cTn>
+                        </p:par>
+                      </p:childTnLst>
+                    </p:cTn>
+                  </p:par>
+                </p:childTnLst>
+              </p:cTn>
+              <p:prevCondLst>
+                <p:cond evt="onPrev" delay="0">
+                  <p:tgtEl>
+                    <p:sldTgt/>
+                  </p:tgtEl>
+                </p:cond>
+              </p:prevCondLst>
+              <p:nextCondLst>
+                <p:cond evt="onNext" delay="0">
+                  <p:tgtEl>
+                    <p:sldTgt/>
+                  </p:tgtEl>
+                </p:cond>
+              </p:nextCondLst>
+            </p:seq>
+          </p:childTnLst>
+        </p:cTn>
       </p:par>
     </p:tnLst>
+    <p:bldLst>
+      <p:bldP spid="4" grpId="0"/>
+    </p:bldLst>
   </p:timing>
 </p:sld>
 </file>
@@ -27118,6 +28922,299 @@
           </a:p>
         </p:txBody>
       </p:sp>
+      <p:grpSp>
+        <p:nvGrpSpPr>
+          <p:cNvPr id="5" name="组合 4"/>
+          <p:cNvGrpSpPr/>
+          <p:nvPr/>
+        </p:nvGrpSpPr>
+        <p:grpSpPr>
+          <a:xfrm>
+            <a:off x="3812751" y="4413972"/>
+            <a:ext cx="6053986" cy="886421"/>
+            <a:chOff x="1311" y="195204"/>
+            <a:chExt cx="6118153" cy="886421"/>
+          </a:xfrm>
+        </p:grpSpPr>
+        <p:sp>
+          <p:nvSpPr>
+            <p:cNvPr id="6" name="矩形 5"/>
+            <p:cNvSpPr/>
+            <p:nvPr/>
+          </p:nvSpPr>
+          <p:spPr>
+            <a:xfrm>
+              <a:off x="1311" y="195204"/>
+              <a:ext cx="5830769" cy="886421"/>
+            </a:xfrm>
+            <a:prstGeom prst="rect">
+              <a:avLst/>
+            </a:prstGeom>
+          </p:spPr>
+          <p:style>
+            <a:lnRef idx="0">
+              <a:schemeClr val="dk1">
+                <a:alpha val="0"/>
+                <a:hueOff val="0"/>
+                <a:satOff val="0"/>
+                <a:lumOff val="0"/>
+                <a:alphaOff val="0"/>
+              </a:schemeClr>
+            </a:lnRef>
+            <a:fillRef idx="0">
+              <a:schemeClr val="lt1">
+                <a:alpha val="0"/>
+                <a:hueOff val="0"/>
+                <a:satOff val="0"/>
+                <a:lumOff val="0"/>
+                <a:alphaOff val="0"/>
+              </a:schemeClr>
+            </a:fillRef>
+            <a:effectRef idx="0">
+              <a:schemeClr val="lt1">
+                <a:alpha val="0"/>
+                <a:hueOff val="0"/>
+                <a:satOff val="0"/>
+                <a:lumOff val="0"/>
+                <a:alphaOff val="0"/>
+              </a:schemeClr>
+            </a:effectRef>
+            <a:fontRef idx="minor">
+              <a:schemeClr val="tx1">
+                <a:hueOff val="0"/>
+                <a:satOff val="0"/>
+                <a:lumOff val="0"/>
+                <a:alphaOff val="0"/>
+              </a:schemeClr>
+            </a:fontRef>
+          </p:style>
+        </p:sp>
+        <p:sp>
+          <p:nvSpPr>
+            <p:cNvPr id="7" name="文本框 6"/>
+            <p:cNvSpPr txBox="1"/>
+            <p:nvPr/>
+          </p:nvSpPr>
+          <p:spPr>
+            <a:xfrm>
+              <a:off x="288695" y="195204"/>
+              <a:ext cx="5830769" cy="886421"/>
+            </a:xfrm>
+            <a:prstGeom prst="rect">
+              <a:avLst/>
+            </a:prstGeom>
+          </p:spPr>
+          <p:style>
+            <a:lnRef idx="0">
+              <a:scrgbClr r="0" g="0" b="0"/>
+            </a:lnRef>
+            <a:fillRef idx="0">
+              <a:scrgbClr r="0" g="0" b="0"/>
+            </a:fillRef>
+            <a:effectRef idx="0">
+              <a:scrgbClr r="0" g="0" b="0"/>
+            </a:effectRef>
+            <a:fontRef idx="minor">
+              <a:schemeClr val="tx1">
+                <a:hueOff val="0"/>
+                <a:satOff val="0"/>
+                <a:lumOff val="0"/>
+                <a:alphaOff val="0"/>
+              </a:schemeClr>
+            </a:fontRef>
+          </p:style>
+          <p:txBody>
+            <a:bodyPr spcFirstLastPara="0" vert="horz" wrap="square" lIns="142240" tIns="142240" rIns="142240" bIns="142240" numCol="1" spcCol="1270" anchor="b" anchorCtr="0">
+              <a:noAutofit/>
+            </a:bodyPr>
+            <a:lstStyle/>
+            <a:p>
+              <a:pPr lvl="0" algn="ctr" defTabSz="889000" rtl="0">
+                <a:lnSpc>
+                  <a:spcPct val="90000"/>
+                </a:lnSpc>
+                <a:spcBef>
+                  <a:spcPct val="0"/>
+                </a:spcBef>
+                <a:spcAft>
+                  <a:spcPct val="35000"/>
+                </a:spcAft>
+              </a:pPr>
+              <a:r>
+                <a:rPr lang="zh-CN" sz="2000" kern="1200" dirty="0" smtClean="0">
+                  <a:solidFill>
+                    <a:schemeClr val="bg1">
+                      <a:lumMod val="65000"/>
+                    </a:schemeClr>
+                  </a:solidFill>
+                </a:rPr>
+                <a:t>['</a:t>
+              </a:r>
+              <a:r>
+                <a:rPr lang="zh-CN" sz="2000" kern="1200" dirty="0" smtClean="0">
+                  <a:solidFill>
+                    <a:schemeClr val="accent2">
+                      <a:lumMod val="75000"/>
+                    </a:schemeClr>
+                  </a:solidFill>
+                </a:rPr>
+                <a:t>三</a:t>
+              </a:r>
+              <a:r>
+                <a:rPr lang="zh-CN" sz="2000" kern="1200" dirty="0" smtClean="0">
+                  <a:solidFill>
+                    <a:schemeClr val="bg1">
+                      <a:lumMod val="65000"/>
+                    </a:schemeClr>
+                  </a:solidFill>
+                </a:rPr>
+                <a:t>', </a:t>
+              </a:r>
+              <a:r>
+                <a:rPr lang="zh-CN" sz="2000" kern="1200" dirty="0" smtClean="0">
+                  <a:solidFill>
+                    <a:srgbClr val="92D050"/>
+                  </a:solidFill>
+                </a:rPr>
+                <a:t>[99, 100]</a:t>
+              </a:r>
+              <a:r>
+                <a:rPr lang="zh-CN" sz="2000" kern="1200" dirty="0" smtClean="0">
+                  <a:solidFill>
+                    <a:schemeClr val="bg1">
+                      <a:lumMod val="65000"/>
+                    </a:schemeClr>
+                  </a:solidFill>
+                </a:rPr>
+                <a:t>]</a:t>
+              </a:r>
+              <a:r>
+                <a:rPr lang="en-US" altLang="zh-CN" sz="2000" kern="1200" dirty="0" smtClean="0">
+                  <a:solidFill>
+                    <a:schemeClr val="bg1">
+                      <a:lumMod val="65000"/>
+                    </a:schemeClr>
+                  </a:solidFill>
+                </a:rPr>
+                <a:t>, </a:t>
+              </a:r>
+              <a:r>
+                <a:rPr lang="zh-CN" sz="2000" kern="1200" dirty="0" smtClean="0">
+                  <a:solidFill>
+                    <a:schemeClr val="bg1">
+                      <a:lumMod val="65000"/>
+                    </a:schemeClr>
+                  </a:solidFill>
+                </a:rPr>
+                <a:t>['</a:t>
+              </a:r>
+              <a:r>
+                <a:rPr lang="zh-CN" sz="2000" kern="1200" dirty="0" smtClean="0">
+                  <a:solidFill>
+                    <a:schemeClr val="accent2">
+                      <a:lumMod val="75000"/>
+                    </a:schemeClr>
+                  </a:solidFill>
+                </a:rPr>
+                <a:t>孢</a:t>
+              </a:r>
+              <a:r>
+                <a:rPr lang="zh-CN" sz="2000" kern="1200" dirty="0" smtClean="0">
+                  <a:solidFill>
+                    <a:schemeClr val="bg1">
+                      <a:lumMod val="65000"/>
+                    </a:schemeClr>
+                  </a:solidFill>
+                </a:rPr>
+                <a:t>', </a:t>
+              </a:r>
+              <a:r>
+                <a:rPr lang="zh-CN" sz="2000" kern="1200" dirty="0" smtClean="0">
+                  <a:solidFill>
+                    <a:srgbClr val="92D050"/>
+                  </a:solidFill>
+                </a:rPr>
+                <a:t>[102, 103]</a:t>
+              </a:r>
+              <a:r>
+                <a:rPr lang="zh-CN" sz="2000" kern="1200" dirty="0" smtClean="0">
+                  <a:solidFill>
+                    <a:schemeClr val="bg1">
+                      <a:lumMod val="65000"/>
+                    </a:schemeClr>
+                  </a:solidFill>
+                </a:rPr>
+                <a:t>]</a:t>
+              </a:r>
+              <a:r>
+                <a:rPr lang="en-US" altLang="zh-CN" sz="2000" kern="1200" dirty="0" smtClean="0">
+                  <a:solidFill>
+                    <a:schemeClr val="bg1">
+                      <a:lumMod val="65000"/>
+                    </a:schemeClr>
+                  </a:solidFill>
+                </a:rPr>
+                <a:t>, </a:t>
+              </a:r>
+              <a:r>
+                <a:rPr lang="zh-CN" sz="2000" kern="1200" dirty="0" smtClean="0">
+                  <a:solidFill>
+                    <a:schemeClr val="bg1">
+                      <a:lumMod val="65000"/>
+                    </a:schemeClr>
+                  </a:solidFill>
+                </a:rPr>
+                <a:t> ['</a:t>
+              </a:r>
+              <a:r>
+                <a:rPr lang="zh-CN" sz="2000" kern="1200" dirty="0" smtClean="0">
+                  <a:solidFill>
+                    <a:schemeClr val="accent2">
+                      <a:lumMod val="75000"/>
+                    </a:schemeClr>
+                  </a:solidFill>
+                </a:rPr>
+                <a:t>素</a:t>
+              </a:r>
+              <a:r>
+                <a:rPr lang="zh-CN" sz="2000" kern="1200" dirty="0" smtClean="0">
+                  <a:solidFill>
+                    <a:schemeClr val="bg1">
+                      <a:lumMod val="65000"/>
+                    </a:schemeClr>
+                  </a:solidFill>
+                </a:rPr>
+                <a:t>', </a:t>
+              </a:r>
+              <a:r>
+                <a:rPr lang="zh-CN" sz="2000" kern="1200" dirty="0" smtClean="0">
+                  <a:solidFill>
+                    <a:srgbClr val="92D050"/>
+                  </a:solidFill>
+                </a:rPr>
+                <a:t>[104, 105]</a:t>
+              </a:r>
+              <a:r>
+                <a:rPr lang="zh-CN" sz="2000" kern="1200" dirty="0" smtClean="0">
+                  <a:solidFill>
+                    <a:schemeClr val="bg1">
+                      <a:lumMod val="65000"/>
+                    </a:schemeClr>
+                  </a:solidFill>
+                </a:rPr>
+                <a:t>]</a:t>
+              </a:r>
+              <a:endParaRPr lang="zh-CN" sz="2000" kern="1200" dirty="0">
+                <a:solidFill>
+                  <a:schemeClr val="bg1">
+                    <a:lumMod val="65000"/>
+                  </a:schemeClr>
+                </a:solidFill>
+              </a:endParaRPr>
+            </a:p>
+          </p:txBody>
+        </p:sp>
+      </p:grpSp>
     </p:spTree>
     <p:extLst>
       <p:ext uri="{BB962C8B-B14F-4D97-AF65-F5344CB8AC3E}">
@@ -27131,7 +29228,266 @@
   <p:timing>
     <p:tnLst>
       <p:par>
-        <p:cTn id="1" dur="indefinite" restart="never" nodeType="tmRoot"/>
+        <p:cTn id="1" dur="indefinite" restart="never" nodeType="tmRoot">
+          <p:childTnLst>
+            <p:seq concurrent="1" nextAc="seek">
+              <p:cTn id="2" dur="indefinite" nodeType="mainSeq">
+                <p:childTnLst>
+                  <p:par>
+                    <p:cTn id="3" fill="hold">
+                      <p:stCondLst>
+                        <p:cond delay="indefinite"/>
+                      </p:stCondLst>
+                      <p:childTnLst>
+                        <p:par>
+                          <p:cTn id="4" fill="hold">
+                            <p:stCondLst>
+                              <p:cond delay="0"/>
+                            </p:stCondLst>
+                            <p:childTnLst>
+                              <p:par>
+                                <p:cTn id="5" presetID="10" presetClass="entr" presetSubtype="0" fill="hold" nodeType="clickEffect">
+                                  <p:stCondLst>
+                                    <p:cond delay="0"/>
+                                  </p:stCondLst>
+                                  <p:childTnLst>
+                                    <p:set>
+                                      <p:cBhvr>
+                                        <p:cTn id="6" dur="1" fill="hold">
+                                          <p:stCondLst>
+                                            <p:cond delay="0"/>
+                                          </p:stCondLst>
+                                        </p:cTn>
+                                        <p:tgtEl>
+                                          <p:spTgt spid="3">
+                                            <p:txEl>
+                                              <p:pRg st="0" end="0"/>
+                                            </p:txEl>
+                                          </p:spTgt>
+                                        </p:tgtEl>
+                                        <p:attrNameLst>
+                                          <p:attrName>style.visibility</p:attrName>
+                                        </p:attrNameLst>
+                                      </p:cBhvr>
+                                      <p:to>
+                                        <p:strVal val="visible"/>
+                                      </p:to>
+                                    </p:set>
+                                    <p:animEffect transition="in" filter="fade">
+                                      <p:cBhvr>
+                                        <p:cTn id="7" dur="500"/>
+                                        <p:tgtEl>
+                                          <p:spTgt spid="3">
+                                            <p:txEl>
+                                              <p:pRg st="0" end="0"/>
+                                            </p:txEl>
+                                          </p:spTgt>
+                                        </p:tgtEl>
+                                      </p:cBhvr>
+                                    </p:animEffect>
+                                  </p:childTnLst>
+                                </p:cTn>
+                              </p:par>
+                            </p:childTnLst>
+                          </p:cTn>
+                        </p:par>
+                      </p:childTnLst>
+                    </p:cTn>
+                  </p:par>
+                  <p:par>
+                    <p:cTn id="8" fill="hold">
+                      <p:stCondLst>
+                        <p:cond delay="indefinite"/>
+                      </p:stCondLst>
+                      <p:childTnLst>
+                        <p:par>
+                          <p:cTn id="9" fill="hold">
+                            <p:stCondLst>
+                              <p:cond delay="0"/>
+                            </p:stCondLst>
+                            <p:childTnLst>
+                              <p:par>
+                                <p:cTn id="10" presetID="10" presetClass="entr" presetSubtype="0" fill="hold" nodeType="clickEffect">
+                                  <p:stCondLst>
+                                    <p:cond delay="0"/>
+                                  </p:stCondLst>
+                                  <p:childTnLst>
+                                    <p:set>
+                                      <p:cBhvr>
+                                        <p:cTn id="11" dur="1" fill="hold">
+                                          <p:stCondLst>
+                                            <p:cond delay="0"/>
+                                          </p:stCondLst>
+                                        </p:cTn>
+                                        <p:tgtEl>
+                                          <p:spTgt spid="3">
+                                            <p:txEl>
+                                              <p:pRg st="1" end="1"/>
+                                            </p:txEl>
+                                          </p:spTgt>
+                                        </p:tgtEl>
+                                        <p:attrNameLst>
+                                          <p:attrName>style.visibility</p:attrName>
+                                        </p:attrNameLst>
+                                      </p:cBhvr>
+                                      <p:to>
+                                        <p:strVal val="visible"/>
+                                      </p:to>
+                                    </p:set>
+                                    <p:animEffect transition="in" filter="fade">
+                                      <p:cBhvr>
+                                        <p:cTn id="12" dur="500"/>
+                                        <p:tgtEl>
+                                          <p:spTgt spid="3">
+                                            <p:txEl>
+                                              <p:pRg st="1" end="1"/>
+                                            </p:txEl>
+                                          </p:spTgt>
+                                        </p:tgtEl>
+                                      </p:cBhvr>
+                                    </p:animEffect>
+                                  </p:childTnLst>
+                                </p:cTn>
+                              </p:par>
+                            </p:childTnLst>
+                          </p:cTn>
+                        </p:par>
+                      </p:childTnLst>
+                    </p:cTn>
+                  </p:par>
+                  <p:par>
+                    <p:cTn id="13" fill="hold">
+                      <p:stCondLst>
+                        <p:cond delay="indefinite"/>
+                      </p:stCondLst>
+                      <p:childTnLst>
+                        <p:par>
+                          <p:cTn id="14" fill="hold">
+                            <p:stCondLst>
+                              <p:cond delay="0"/>
+                            </p:stCondLst>
+                            <p:childTnLst>
+                              <p:par>
+                                <p:cTn id="15" presetID="10" presetClass="entr" presetSubtype="0" fill="hold" nodeType="clickEffect">
+                                  <p:stCondLst>
+                                    <p:cond delay="0"/>
+                                  </p:stCondLst>
+                                  <p:childTnLst>
+                                    <p:set>
+                                      <p:cBhvr>
+                                        <p:cTn id="16" dur="1" fill="hold">
+                                          <p:stCondLst>
+                                            <p:cond delay="0"/>
+                                          </p:stCondLst>
+                                        </p:cTn>
+                                        <p:tgtEl>
+                                          <p:spTgt spid="3">
+                                            <p:txEl>
+                                              <p:pRg st="2" end="2"/>
+                                            </p:txEl>
+                                          </p:spTgt>
+                                        </p:tgtEl>
+                                        <p:attrNameLst>
+                                          <p:attrName>style.visibility</p:attrName>
+                                        </p:attrNameLst>
+                                      </p:cBhvr>
+                                      <p:to>
+                                        <p:strVal val="visible"/>
+                                      </p:to>
+                                    </p:set>
+                                    <p:animEffect transition="in" filter="fade">
+                                      <p:cBhvr>
+                                        <p:cTn id="17" dur="500"/>
+                                        <p:tgtEl>
+                                          <p:spTgt spid="3">
+                                            <p:txEl>
+                                              <p:pRg st="2" end="2"/>
+                                            </p:txEl>
+                                          </p:spTgt>
+                                        </p:tgtEl>
+                                      </p:cBhvr>
+                                    </p:animEffect>
+                                  </p:childTnLst>
+                                </p:cTn>
+                              </p:par>
+                            </p:childTnLst>
+                          </p:cTn>
+                        </p:par>
+                      </p:childTnLst>
+                    </p:cTn>
+                  </p:par>
+                  <p:par>
+                    <p:cTn id="18" fill="hold">
+                      <p:stCondLst>
+                        <p:cond delay="indefinite"/>
+                      </p:stCondLst>
+                      <p:childTnLst>
+                        <p:par>
+                          <p:cTn id="19" fill="hold">
+                            <p:stCondLst>
+                              <p:cond delay="0"/>
+                            </p:stCondLst>
+                            <p:childTnLst>
+                              <p:par>
+                                <p:cTn id="20" presetID="10" presetClass="entr" presetSubtype="0" fill="hold" nodeType="clickEffect">
+                                  <p:stCondLst>
+                                    <p:cond delay="0"/>
+                                  </p:stCondLst>
+                                  <p:childTnLst>
+                                    <p:set>
+                                      <p:cBhvr>
+                                        <p:cTn id="21" dur="1" fill="hold">
+                                          <p:stCondLst>
+                                            <p:cond delay="0"/>
+                                          </p:stCondLst>
+                                        </p:cTn>
+                                        <p:tgtEl>
+                                          <p:spTgt spid="5"/>
+                                        </p:tgtEl>
+                                        <p:attrNameLst>
+                                          <p:attrName>style.visibility</p:attrName>
+                                        </p:attrNameLst>
+                                      </p:cBhvr>
+                                      <p:to>
+                                        <p:strVal val="visible"/>
+                                      </p:to>
+                                    </p:set>
+                                    <p:animEffect transition="in" filter="fade">
+                                      <p:cBhvr>
+                                        <p:cTn id="22" dur="500"/>
+                                        <p:tgtEl>
+                                          <p:spTgt spid="5"/>
+                                        </p:tgtEl>
+                                      </p:cBhvr>
+                                    </p:animEffect>
+                                  </p:childTnLst>
+                                </p:cTn>
+                              </p:par>
+                            </p:childTnLst>
+                          </p:cTn>
+                        </p:par>
+                      </p:childTnLst>
+                    </p:cTn>
+                  </p:par>
+                </p:childTnLst>
+              </p:cTn>
+              <p:prevCondLst>
+                <p:cond evt="onPrev" delay="0">
+                  <p:tgtEl>
+                    <p:sldTgt/>
+                  </p:tgtEl>
+                </p:cond>
+              </p:prevCondLst>
+              <p:nextCondLst>
+                <p:cond evt="onNext" delay="0">
+                  <p:tgtEl>
+                    <p:sldTgt/>
+                  </p:tgtEl>
+                </p:cond>
+              </p:nextCondLst>
+            </p:seq>
+          </p:childTnLst>
+        </p:cTn>
       </p:par>
     </p:tnLst>
   </p:timing>
@@ -27463,7 +29819,238 @@
   <p:timing>
     <p:tnLst>
       <p:par>
-        <p:cTn id="1" dur="indefinite" restart="never" nodeType="tmRoot"/>
+        <p:cTn id="1" dur="indefinite" restart="never" nodeType="tmRoot">
+          <p:childTnLst>
+            <p:seq concurrent="1" nextAc="seek">
+              <p:cTn id="2" dur="indefinite" nodeType="mainSeq">
+                <p:childTnLst>
+                  <p:par>
+                    <p:cTn id="3" fill="hold">
+                      <p:stCondLst>
+                        <p:cond delay="indefinite"/>
+                      </p:stCondLst>
+                      <p:childTnLst>
+                        <p:par>
+                          <p:cTn id="4" fill="hold">
+                            <p:stCondLst>
+                              <p:cond delay="0"/>
+                            </p:stCondLst>
+                            <p:childTnLst>
+                              <p:par>
+                                <p:cTn id="5" presetID="10" presetClass="entr" presetSubtype="0" fill="hold" nodeType="clickEffect">
+                                  <p:stCondLst>
+                                    <p:cond delay="0"/>
+                                  </p:stCondLst>
+                                  <p:childTnLst>
+                                    <p:set>
+                                      <p:cBhvr>
+                                        <p:cTn id="6" dur="1" fill="hold">
+                                          <p:stCondLst>
+                                            <p:cond delay="0"/>
+                                          </p:stCondLst>
+                                        </p:cTn>
+                                        <p:tgtEl>
+                                          <p:spTgt spid="27">
+                                            <p:txEl>
+                                              <p:pRg st="1" end="1"/>
+                                            </p:txEl>
+                                          </p:spTgt>
+                                        </p:tgtEl>
+                                        <p:attrNameLst>
+                                          <p:attrName>style.visibility</p:attrName>
+                                        </p:attrNameLst>
+                                      </p:cBhvr>
+                                      <p:to>
+                                        <p:strVal val="visible"/>
+                                      </p:to>
+                                    </p:set>
+                                    <p:animEffect transition="in" filter="fade">
+                                      <p:cBhvr>
+                                        <p:cTn id="7" dur="500"/>
+                                        <p:tgtEl>
+                                          <p:spTgt spid="27">
+                                            <p:txEl>
+                                              <p:pRg st="1" end="1"/>
+                                            </p:txEl>
+                                          </p:spTgt>
+                                        </p:tgtEl>
+                                      </p:cBhvr>
+                                    </p:animEffect>
+                                  </p:childTnLst>
+                                </p:cTn>
+                              </p:par>
+                            </p:childTnLst>
+                          </p:cTn>
+                        </p:par>
+                      </p:childTnLst>
+                    </p:cTn>
+                  </p:par>
+                  <p:par>
+                    <p:cTn id="8" fill="hold">
+                      <p:stCondLst>
+                        <p:cond delay="indefinite"/>
+                      </p:stCondLst>
+                      <p:childTnLst>
+                        <p:par>
+                          <p:cTn id="9" fill="hold">
+                            <p:stCondLst>
+                              <p:cond delay="0"/>
+                            </p:stCondLst>
+                            <p:childTnLst>
+                              <p:par>
+                                <p:cTn id="10" presetID="10" presetClass="entr" presetSubtype="0" fill="hold" nodeType="clickEffect">
+                                  <p:stCondLst>
+                                    <p:cond delay="0"/>
+                                  </p:stCondLst>
+                                  <p:childTnLst>
+                                    <p:set>
+                                      <p:cBhvr>
+                                        <p:cTn id="11" dur="1" fill="hold">
+                                          <p:stCondLst>
+                                            <p:cond delay="0"/>
+                                          </p:stCondLst>
+                                        </p:cTn>
+                                        <p:tgtEl>
+                                          <p:spTgt spid="27">
+                                            <p:txEl>
+                                              <p:pRg st="2" end="2"/>
+                                            </p:txEl>
+                                          </p:spTgt>
+                                        </p:tgtEl>
+                                        <p:attrNameLst>
+                                          <p:attrName>style.visibility</p:attrName>
+                                        </p:attrNameLst>
+                                      </p:cBhvr>
+                                      <p:to>
+                                        <p:strVal val="visible"/>
+                                      </p:to>
+                                    </p:set>
+                                    <p:animEffect transition="in" filter="fade">
+                                      <p:cBhvr>
+                                        <p:cTn id="12" dur="500"/>
+                                        <p:tgtEl>
+                                          <p:spTgt spid="27">
+                                            <p:txEl>
+                                              <p:pRg st="2" end="2"/>
+                                            </p:txEl>
+                                          </p:spTgt>
+                                        </p:tgtEl>
+                                      </p:cBhvr>
+                                    </p:animEffect>
+                                  </p:childTnLst>
+                                </p:cTn>
+                              </p:par>
+                              <p:par>
+                                <p:cTn id="13" presetID="10" presetClass="entr" presetSubtype="0" fill="hold" nodeType="withEffect">
+                                  <p:stCondLst>
+                                    <p:cond delay="0"/>
+                                  </p:stCondLst>
+                                  <p:childTnLst>
+                                    <p:set>
+                                      <p:cBhvr>
+                                        <p:cTn id="14" dur="1" fill="hold">
+                                          <p:stCondLst>
+                                            <p:cond delay="0"/>
+                                          </p:stCondLst>
+                                        </p:cTn>
+                                        <p:tgtEl>
+                                          <p:spTgt spid="27">
+                                            <p:txEl>
+                                              <p:pRg st="3" end="3"/>
+                                            </p:txEl>
+                                          </p:spTgt>
+                                        </p:tgtEl>
+                                        <p:attrNameLst>
+                                          <p:attrName>style.visibility</p:attrName>
+                                        </p:attrNameLst>
+                                      </p:cBhvr>
+                                      <p:to>
+                                        <p:strVal val="visible"/>
+                                      </p:to>
+                                    </p:set>
+                                    <p:animEffect transition="in" filter="fade">
+                                      <p:cBhvr>
+                                        <p:cTn id="15" dur="500"/>
+                                        <p:tgtEl>
+                                          <p:spTgt spid="27">
+                                            <p:txEl>
+                                              <p:pRg st="3" end="3"/>
+                                            </p:txEl>
+                                          </p:spTgt>
+                                        </p:tgtEl>
+                                      </p:cBhvr>
+                                    </p:animEffect>
+                                  </p:childTnLst>
+                                </p:cTn>
+                              </p:par>
+                              <p:par>
+                                <p:cTn id="16" presetID="10" presetClass="entr" presetSubtype="0" fill="hold" nodeType="withEffect">
+                                  <p:stCondLst>
+                                    <p:cond delay="0"/>
+                                  </p:stCondLst>
+                                  <p:childTnLst>
+                                    <p:set>
+                                      <p:cBhvr>
+                                        <p:cTn id="17" dur="1" fill="hold">
+                                          <p:stCondLst>
+                                            <p:cond delay="0"/>
+                                          </p:stCondLst>
+                                        </p:cTn>
+                                        <p:tgtEl>
+                                          <p:spTgt spid="27">
+                                            <p:txEl>
+                                              <p:pRg st="4" end="4"/>
+                                            </p:txEl>
+                                          </p:spTgt>
+                                        </p:tgtEl>
+                                        <p:attrNameLst>
+                                          <p:attrName>style.visibility</p:attrName>
+                                        </p:attrNameLst>
+                                      </p:cBhvr>
+                                      <p:to>
+                                        <p:strVal val="visible"/>
+                                      </p:to>
+                                    </p:set>
+                                    <p:animEffect transition="in" filter="fade">
+                                      <p:cBhvr>
+                                        <p:cTn id="18" dur="500"/>
+                                        <p:tgtEl>
+                                          <p:spTgt spid="27">
+                                            <p:txEl>
+                                              <p:pRg st="4" end="4"/>
+                                            </p:txEl>
+                                          </p:spTgt>
+                                        </p:tgtEl>
+                                      </p:cBhvr>
+                                    </p:animEffect>
+                                  </p:childTnLst>
+                                </p:cTn>
+                              </p:par>
+                            </p:childTnLst>
+                          </p:cTn>
+                        </p:par>
+                      </p:childTnLst>
+                    </p:cTn>
+                  </p:par>
+                </p:childTnLst>
+              </p:cTn>
+              <p:prevCondLst>
+                <p:cond evt="onPrev" delay="0">
+                  <p:tgtEl>
+                    <p:sldTgt/>
+                  </p:tgtEl>
+                </p:cond>
+              </p:prevCondLst>
+              <p:nextCondLst>
+                <p:cond evt="onNext" delay="0">
+                  <p:tgtEl>
+                    <p:sldTgt/>
+                  </p:tgtEl>
+                </p:cond>
+              </p:nextCondLst>
+            </p:seq>
+          </p:childTnLst>
+        </p:cTn>
       </p:par>
     </p:tnLst>
   </p:timing>

--- a/Report.pptx
+++ b/Report.pptx
@@ -6070,7 +6070,27 @@
                 <a:latin typeface="+mj-ea"/>
                 <a:ea typeface="+mj-ea"/>
               </a:rPr>
-              <a:t>带条件的分层级多答案问答</a:t>
+              <a:t>带</a:t>
+            </a:r>
+            <a:r>
+              <a:rPr lang="zh-CN" altLang="en-US" sz="4800" dirty="0" smtClean="0">
+                <a:solidFill>
+                  <a:schemeClr val="bg1"/>
+                </a:solidFill>
+                <a:latin typeface="+mj-ea"/>
+                <a:ea typeface="+mj-ea"/>
+              </a:rPr>
+              <a:t>条件分</a:t>
+            </a:r>
+            <a:r>
+              <a:rPr lang="zh-CN" altLang="en-US" sz="4800" dirty="0">
+                <a:solidFill>
+                  <a:schemeClr val="bg1"/>
+                </a:solidFill>
+                <a:latin typeface="+mj-ea"/>
+                <a:ea typeface="+mj-ea"/>
+              </a:rPr>
+              <a:t>层级多答案问答</a:t>
             </a:r>
           </a:p>
         </p:txBody>
@@ -6325,16 +6345,6 @@
               </a:rPr>
               <a:t>format??</a:t>
             </a:r>
-            <a:endParaRPr lang="en-US" altLang="zh-CN" sz="2800" dirty="0" smtClean="0">
-              <a:solidFill>
-                <a:schemeClr val="tx1">
-                  <a:lumMod val="85000"/>
-                  <a:lumOff val="15000"/>
-                </a:schemeClr>
-              </a:solidFill>
-              <a:latin typeface="苹方 中等" panose="020B0400000000000000" pitchFamily="34" charset="-122"/>
-              <a:ea typeface="苹方 常规" panose="020B0300000000000000"/>
-            </a:endParaRPr>
           </a:p>
           <a:p>
             <a:pPr defTabSz="1025932"/>
@@ -7627,20 +7637,7 @@
                 <a:latin typeface="苹方 中等" panose="020B0400000000000000" pitchFamily="34" charset="-122"/>
                 <a:ea typeface="苹方 常规" panose="020B0300000000000000"/>
               </a:rPr>
-              <a:t>Add special </a:t>
-            </a:r>
-            <a:r>
-              <a:rPr lang="en-US" altLang="zh-CN" sz="2400" dirty="0" smtClean="0">
-                <a:solidFill>
-                  <a:schemeClr val="tx1">
-                    <a:lumMod val="85000"/>
-                    <a:lumOff val="15000"/>
-                  </a:schemeClr>
-                </a:solidFill>
-                <a:latin typeface="苹方 中等" panose="020B0400000000000000" pitchFamily="34" charset="-122"/>
-                <a:ea typeface="苹方 常规" panose="020B0300000000000000"/>
-              </a:rPr>
-              <a:t>tokens, why and how?</a:t>
+              <a:t>Add special tokens, why and how?</a:t>
             </a:r>
             <a:endParaRPr lang="zh-CN" altLang="en-US" sz="2400" dirty="0">
               <a:solidFill>
@@ -8721,7 +8718,7 @@
                 <a:ea typeface="苹方 常规" panose="020B0300000000000000"/>
                 <a:hlinkClick r:id="rId2"/>
               </a:rPr>
-              <a:t>github.com/HourunLi/CCKS2022.git</a:t>
+              <a:t>github.com/HourunLi/CCKS2022</a:t>
             </a:r>
             <a:endParaRPr lang="en-US" altLang="zh-CN" sz="2400" dirty="0" smtClean="0">
               <a:solidFill>
@@ -11094,16 +11091,6 @@
               </a:rPr>
               <a:t>tag</a:t>
             </a:r>
-            <a:endParaRPr lang="en-US" altLang="zh-CN" sz="2800" dirty="0" smtClean="0">
-              <a:solidFill>
-                <a:schemeClr val="tx1">
-                  <a:lumMod val="85000"/>
-                  <a:lumOff val="15000"/>
-                </a:schemeClr>
-              </a:solidFill>
-              <a:latin typeface="苹方 中等" panose="020B0400000000000000" pitchFamily="34" charset="-122"/>
-              <a:ea typeface="苹方 常规" panose="020B0300000000000000"/>
-            </a:endParaRPr>
           </a:p>
           <a:p>
             <a:pPr marL="971526" lvl="1" indent="-514338" defTabSz="1025932">
@@ -29664,7 +29651,7 @@
         <p:spPr>
           <a:xfrm>
             <a:off x="1159441" y="1841586"/>
-            <a:ext cx="6344947" cy="3108543"/>
+            <a:ext cx="8393862" cy="2246769"/>
           </a:xfrm>
           <a:prstGeom prst="rect">
             <a:avLst/>

--- a/Report.pptx
+++ b/Report.pptx
@@ -3261,7 +3261,7 @@
           <a:p>
             <a:fld id="{BBFC984C-E5DB-4876-B8E3-8EBEFCDD87C8}" type="datetimeFigureOut">
               <a:rPr lang="zh-CN" altLang="en-US" smtClean="0"/>
-              <a:t>2022/6/5</a:t>
+              <a:t>2022/6/6</a:t>
             </a:fld>
             <a:endParaRPr lang="zh-CN" altLang="en-US"/>
           </a:p>
@@ -3431,7 +3431,7 @@
           <a:p>
             <a:fld id="{BBFC984C-E5DB-4876-B8E3-8EBEFCDD87C8}" type="datetimeFigureOut">
               <a:rPr lang="zh-CN" altLang="en-US" smtClean="0"/>
-              <a:t>2022/6/5</a:t>
+              <a:t>2022/6/6</a:t>
             </a:fld>
             <a:endParaRPr lang="zh-CN" altLang="en-US"/>
           </a:p>
@@ -3611,7 +3611,7 @@
           <a:p>
             <a:fld id="{BBFC984C-E5DB-4876-B8E3-8EBEFCDD87C8}" type="datetimeFigureOut">
               <a:rPr lang="zh-CN" altLang="en-US" smtClean="0"/>
-              <a:t>2022/6/5</a:t>
+              <a:t>2022/6/6</a:t>
             </a:fld>
             <a:endParaRPr lang="zh-CN" altLang="en-US"/>
           </a:p>
@@ -3781,7 +3781,7 @@
           <a:p>
             <a:fld id="{BBFC984C-E5DB-4876-B8E3-8EBEFCDD87C8}" type="datetimeFigureOut">
               <a:rPr lang="zh-CN" altLang="en-US" smtClean="0"/>
-              <a:t>2022/6/5</a:t>
+              <a:t>2022/6/6</a:t>
             </a:fld>
             <a:endParaRPr lang="zh-CN" altLang="en-US"/>
           </a:p>
@@ -4027,7 +4027,7 @@
           <a:p>
             <a:fld id="{BBFC984C-E5DB-4876-B8E3-8EBEFCDD87C8}" type="datetimeFigureOut">
               <a:rPr lang="zh-CN" altLang="en-US" smtClean="0"/>
-              <a:t>2022/6/5</a:t>
+              <a:t>2022/6/6</a:t>
             </a:fld>
             <a:endParaRPr lang="zh-CN" altLang="en-US"/>
           </a:p>
@@ -4259,7 +4259,7 @@
           <a:p>
             <a:fld id="{BBFC984C-E5DB-4876-B8E3-8EBEFCDD87C8}" type="datetimeFigureOut">
               <a:rPr lang="zh-CN" altLang="en-US" smtClean="0"/>
-              <a:t>2022/6/5</a:t>
+              <a:t>2022/6/6</a:t>
             </a:fld>
             <a:endParaRPr lang="zh-CN" altLang="en-US"/>
           </a:p>
@@ -4626,7 +4626,7 @@
           <a:p>
             <a:fld id="{BBFC984C-E5DB-4876-B8E3-8EBEFCDD87C8}" type="datetimeFigureOut">
               <a:rPr lang="zh-CN" altLang="en-US" smtClean="0"/>
-              <a:t>2022/6/5</a:t>
+              <a:t>2022/6/6</a:t>
             </a:fld>
             <a:endParaRPr lang="zh-CN" altLang="en-US"/>
           </a:p>
@@ -4744,7 +4744,7 @@
           <a:p>
             <a:fld id="{BBFC984C-E5DB-4876-B8E3-8EBEFCDD87C8}" type="datetimeFigureOut">
               <a:rPr lang="zh-CN" altLang="en-US" smtClean="0"/>
-              <a:t>2022/6/5</a:t>
+              <a:t>2022/6/6</a:t>
             </a:fld>
             <a:endParaRPr lang="zh-CN" altLang="en-US"/>
           </a:p>
@@ -4839,7 +4839,7 @@
           <a:p>
             <a:fld id="{BBFC984C-E5DB-4876-B8E3-8EBEFCDD87C8}" type="datetimeFigureOut">
               <a:rPr lang="zh-CN" altLang="en-US" smtClean="0"/>
-              <a:t>2022/6/5</a:t>
+              <a:t>2022/6/6</a:t>
             </a:fld>
             <a:endParaRPr lang="zh-CN" altLang="en-US"/>
           </a:p>
@@ -5116,7 +5116,7 @@
           <a:p>
             <a:fld id="{BBFC984C-E5DB-4876-B8E3-8EBEFCDD87C8}" type="datetimeFigureOut">
               <a:rPr lang="zh-CN" altLang="en-US" smtClean="0"/>
-              <a:t>2022/6/5</a:t>
+              <a:t>2022/6/6</a:t>
             </a:fld>
             <a:endParaRPr lang="zh-CN" altLang="en-US"/>
           </a:p>
@@ -5373,7 +5373,7 @@
           <a:p>
             <a:fld id="{BBFC984C-E5DB-4876-B8E3-8EBEFCDD87C8}" type="datetimeFigureOut">
               <a:rPr lang="zh-CN" altLang="en-US" smtClean="0"/>
-              <a:t>2022/6/5</a:t>
+              <a:t>2022/6/6</a:t>
             </a:fld>
             <a:endParaRPr lang="zh-CN" altLang="en-US"/>
           </a:p>
@@ -5586,7 +5586,7 @@
           <a:p>
             <a:fld id="{BBFC984C-E5DB-4876-B8E3-8EBEFCDD87C8}" type="datetimeFigureOut">
               <a:rPr lang="zh-CN" altLang="en-US" smtClean="0"/>
-              <a:t>2022/6/5</a:t>
+              <a:t>2022/6/6</a:t>
             </a:fld>
             <a:endParaRPr lang="zh-CN" altLang="en-US"/>
           </a:p>
@@ -6322,6 +6322,26 @@
             <a:r>
               <a:rPr lang="en-US" altLang="zh-CN" sz="2800" dirty="0">
                 <a:solidFill>
+                  <a:srgbClr val="C00000"/>
+                </a:solidFill>
+                <a:latin typeface="苹方 中等" panose="020B0400000000000000" pitchFamily="34" charset="-122"/>
+                <a:ea typeface="苹方 常规" panose="020B0300000000000000"/>
+              </a:rPr>
+              <a:t>Training data input </a:t>
+            </a:r>
+            <a:r>
+              <a:rPr lang="en-US" altLang="zh-CN" sz="2800" dirty="0" smtClean="0">
+                <a:solidFill>
+                  <a:srgbClr val="C00000"/>
+                </a:solidFill>
+                <a:latin typeface="苹方 中等" panose="020B0400000000000000" pitchFamily="34" charset="-122"/>
+                <a:ea typeface="苹方 常规" panose="020B0300000000000000"/>
+              </a:rPr>
+              <a:t>format</a:t>
+            </a:r>
+            <a:r>
+              <a:rPr lang="en-US" altLang="zh-CN" sz="2800" dirty="0" smtClean="0">
+                <a:solidFill>
                   <a:schemeClr val="tx1">
                     <a:lumMod val="85000"/>
                     <a:lumOff val="15000"/>
@@ -6330,20 +6350,7 @@
                 <a:latin typeface="苹方 中等" panose="020B0400000000000000" pitchFamily="34" charset="-122"/>
                 <a:ea typeface="苹方 常规" panose="020B0300000000000000"/>
               </a:rPr>
-              <a:t>Training data input </a:t>
-            </a:r>
-            <a:r>
-              <a:rPr lang="en-US" altLang="zh-CN" sz="2800" dirty="0" smtClean="0">
-                <a:solidFill>
-                  <a:schemeClr val="tx1">
-                    <a:lumMod val="85000"/>
-                    <a:lumOff val="15000"/>
-                  </a:schemeClr>
-                </a:solidFill>
-                <a:latin typeface="苹方 中等" panose="020B0400000000000000" pitchFamily="34" charset="-122"/>
-                <a:ea typeface="苹方 常规" panose="020B0300000000000000"/>
-              </a:rPr>
-              <a:t>format??</a:t>
+              <a:t>??</a:t>
             </a:r>
           </a:p>
           <a:p>
@@ -7859,83 +7866,6 @@
           </a:p>
         </p:txBody>
       </p:sp>
-      <p:sp>
-        <p:nvSpPr>
-          <p:cNvPr id="8" name="文本框 7">
-            <a:extLst>
-              <a:ext uri="{FF2B5EF4-FFF2-40B4-BE49-F238E27FC236}">
-                <a16:creationId xmlns:a16="http://schemas.microsoft.com/office/drawing/2014/main" id="{611EF645-356F-43FA-A0FB-070CE4B5D09B}"/>
-              </a:ext>
-            </a:extLst>
-          </p:cNvPr>
-          <p:cNvSpPr txBox="1"/>
-          <p:nvPr/>
-        </p:nvSpPr>
-        <p:spPr>
-          <a:xfrm>
-            <a:off x="1141122" y="4419406"/>
-            <a:ext cx="6531429" cy="830997"/>
-          </a:xfrm>
-          <a:prstGeom prst="rect">
-            <a:avLst/>
-          </a:prstGeom>
-          <a:noFill/>
-        </p:spPr>
-        <p:txBody>
-          <a:bodyPr wrap="square">
-            <a:spAutoFit/>
-          </a:bodyPr>
-          <a:lstStyle/>
-          <a:p>
-            <a:pPr marL="384725" indent="-384725" defTabSz="1025932">
-              <a:buFont typeface="Arial" panose="020B0604020202020204" pitchFamily="34" charset="0"/>
-              <a:buChar char="•"/>
-            </a:pPr>
-            <a:r>
-              <a:rPr lang="en-US" altLang="zh-CN" sz="2400" dirty="0" smtClean="0">
-                <a:solidFill>
-                  <a:schemeClr val="tx1">
-                    <a:lumMod val="85000"/>
-                    <a:lumOff val="15000"/>
-                  </a:schemeClr>
-                </a:solidFill>
-                <a:latin typeface="苹方 中等" panose="020B0400000000000000" pitchFamily="34" charset="-122"/>
-                <a:ea typeface="苹方 常规" panose="020B0300000000000000"/>
-              </a:rPr>
-              <a:t>Why </a:t>
-            </a:r>
-            <a:r>
-              <a:rPr lang="en-US" altLang="zh-CN" sz="2400" dirty="0">
-                <a:solidFill>
-                  <a:schemeClr val="tx1">
-                    <a:lumMod val="85000"/>
-                    <a:lumOff val="15000"/>
-                  </a:schemeClr>
-                </a:solidFill>
-                <a:latin typeface="苹方 中等" panose="020B0400000000000000" pitchFamily="34" charset="-122"/>
-                <a:ea typeface="苹方 常规" panose="020B0300000000000000"/>
-              </a:rPr>
-              <a:t>not ‘B-’ and ‘I-’  NER mode?</a:t>
-            </a:r>
-          </a:p>
-          <a:p>
-            <a:pPr marL="384725" indent="-384725" defTabSz="1025932">
-              <a:buFont typeface="Arial" panose="020B0604020202020204" pitchFamily="34" charset="0"/>
-              <a:buChar char="•"/>
-            </a:pPr>
-            <a:endParaRPr lang="zh-CN" altLang="en-US" sz="2400" dirty="0">
-              <a:solidFill>
-                <a:schemeClr val="tx1">
-                  <a:lumMod val="85000"/>
-                  <a:lumOff val="15000"/>
-                </a:schemeClr>
-              </a:solidFill>
-              <a:latin typeface="苹方 中等" panose="020B0400000000000000" pitchFamily="34" charset="-122"/>
-              <a:ea typeface="苹方 常规" panose="020B0300000000000000"/>
-            </a:endParaRPr>
-          </a:p>
-        </p:txBody>
-      </p:sp>
     </p:spTree>
     <p:extLst>
       <p:ext uri="{BB962C8B-B14F-4D97-AF65-F5344CB8AC3E}">
@@ -8113,59 +8043,6 @@
                       </p:childTnLst>
                     </p:cTn>
                   </p:par>
-                  <p:par>
-                    <p:cTn id="18" fill="hold">
-                      <p:stCondLst>
-                        <p:cond delay="indefinite"/>
-                      </p:stCondLst>
-                      <p:childTnLst>
-                        <p:par>
-                          <p:cTn id="19" fill="hold">
-                            <p:stCondLst>
-                              <p:cond delay="0"/>
-                            </p:stCondLst>
-                            <p:childTnLst>
-                              <p:par>
-                                <p:cTn id="20" presetID="10" presetClass="entr" presetSubtype="0" fill="hold" grpId="0" nodeType="clickEffect">
-                                  <p:stCondLst>
-                                    <p:cond delay="0"/>
-                                  </p:stCondLst>
-                                  <p:childTnLst>
-                                    <p:set>
-                                      <p:cBhvr>
-                                        <p:cTn id="21" dur="1" fill="hold">
-                                          <p:stCondLst>
-                                            <p:cond delay="0"/>
-                                          </p:stCondLst>
-                                        </p:cTn>
-                                        <p:tgtEl>
-                                          <p:spTgt spid="8"/>
-                                        </p:tgtEl>
-                                        <p:attrNameLst>
-                                          <p:attrName>style.visibility</p:attrName>
-                                        </p:attrNameLst>
-                                      </p:cBhvr>
-                                      <p:to>
-                                        <p:strVal val="visible"/>
-                                      </p:to>
-                                    </p:set>
-                                    <p:animEffect transition="in" filter="fade">
-                                      <p:cBhvr>
-                                        <p:cTn id="22" dur="500"/>
-                                        <p:tgtEl>
-                                          <p:spTgt spid="8"/>
-                                        </p:tgtEl>
-                                      </p:cBhvr>
-                                    </p:animEffect>
-                                  </p:childTnLst>
-                                </p:cTn>
-                              </p:par>
-                            </p:childTnLst>
-                          </p:cTn>
-                        </p:par>
-                      </p:childTnLst>
-                    </p:cTn>
-                  </p:par>
                 </p:childTnLst>
               </p:cTn>
               <p:prevCondLst>
@@ -8191,7 +8068,6 @@
       <p:bldP spid="27" grpId="0"/>
       <p:bldP spid="28" grpId="0"/>
       <p:bldP spid="14" grpId="0"/>
-      <p:bldP spid="8" grpId="0"/>
     </p:bldLst>
   </p:timing>
 </p:sld>
@@ -11048,7 +10924,7 @@
         <p:spPr>
           <a:xfrm>
             <a:off x="1159440" y="2542753"/>
-            <a:ext cx="6460560" cy="2677656"/>
+            <a:ext cx="6460560" cy="3108543"/>
           </a:xfrm>
           <a:prstGeom prst="rect">
             <a:avLst/>
@@ -11156,7 +11032,23 @@
             </a:r>
           </a:p>
           <a:p>
-            <a:pPr marL="457188" lvl="1" defTabSz="1025932"/>
+            <a:pPr marL="971526" lvl="1" indent="-514338" defTabSz="1025932">
+              <a:buFontTx/>
+              <a:buAutoNum type="arabicPeriod"/>
+            </a:pPr>
+            <a:r>
+              <a:rPr lang="en-US" altLang="zh-CN" sz="2800" dirty="0" smtClean="0">
+                <a:solidFill>
+                  <a:schemeClr val="tx1">
+                    <a:lumMod val="85000"/>
+                    <a:lumOff val="15000"/>
+                  </a:schemeClr>
+                </a:solidFill>
+                <a:latin typeface="苹方 中等" panose="020B0400000000000000" pitchFamily="34" charset="-122"/>
+                <a:ea typeface="苹方 常规" panose="020B0300000000000000"/>
+              </a:rPr>
+              <a:t>0 for None, 1 for condition, 2 for coarse, 4 for fine</a:t>
+            </a:r>
             <a:endParaRPr lang="en-US" altLang="zh-CN" sz="2800" dirty="0">
               <a:solidFill>
                 <a:schemeClr val="tx1">
@@ -19237,7 +19129,7 @@
         <p:spPr>
           <a:xfrm>
             <a:off x="1159440" y="2542755"/>
-            <a:ext cx="6460560" cy="3108543"/>
+            <a:ext cx="6460560" cy="3539430"/>
           </a:xfrm>
           <a:prstGeom prst="rect">
             <a:avLst/>
@@ -19283,8 +19175,50 @@
                 <a:latin typeface="苹方 中等" panose="020B0400000000000000" pitchFamily="34" charset="-122"/>
                 <a:ea typeface="苹方 常规" panose="020B0300000000000000"/>
               </a:rPr>
-              <a:t>Why split into single word and tag?</a:t>
-            </a:r>
+              <a:t>Why split into single word and tag</a:t>
+            </a:r>
+            <a:r>
+              <a:rPr lang="en-US" altLang="zh-CN" sz="2800" dirty="0" smtClean="0">
+                <a:solidFill>
+                  <a:schemeClr val="tx1">
+                    <a:lumMod val="85000"/>
+                    <a:lumOff val="15000"/>
+                  </a:schemeClr>
+                </a:solidFill>
+                <a:latin typeface="苹方 中等" panose="020B0400000000000000" pitchFamily="34" charset="-122"/>
+                <a:ea typeface="苹方 常规" panose="020B0300000000000000"/>
+              </a:rPr>
+              <a:t>?</a:t>
+            </a:r>
+          </a:p>
+          <a:p>
+            <a:pPr marL="971526" lvl="1" indent="-514338" defTabSz="1025932">
+              <a:buFontTx/>
+              <a:buAutoNum type="arabicPeriod"/>
+            </a:pPr>
+            <a:r>
+              <a:rPr lang="en-US" altLang="zh-CN" sz="2800" dirty="0" smtClean="0">
+                <a:solidFill>
+                  <a:schemeClr val="tx1">
+                    <a:lumMod val="85000"/>
+                    <a:lumOff val="15000"/>
+                  </a:schemeClr>
+                </a:solidFill>
+                <a:latin typeface="苹方 中等" panose="020B0400000000000000" pitchFamily="34" charset="-122"/>
+                <a:ea typeface="苹方 常规" panose="020B0300000000000000"/>
+              </a:rPr>
+              <a:t>Why not BIO mode?</a:t>
+            </a:r>
+            <a:endParaRPr lang="en-US" altLang="zh-CN" sz="2800" dirty="0">
+              <a:solidFill>
+                <a:schemeClr val="tx1">
+                  <a:lumMod val="85000"/>
+                  <a:lumOff val="15000"/>
+                </a:schemeClr>
+              </a:solidFill>
+              <a:latin typeface="苹方 中等" panose="020B0400000000000000" pitchFamily="34" charset="-122"/>
+              <a:ea typeface="苹方 常规" panose="020B0300000000000000"/>
+            </a:endParaRPr>
           </a:p>
           <a:p>
             <a:pPr marL="971526" lvl="1" indent="-514338" defTabSz="1025932">
@@ -27316,6 +27250,67 @@
                       </p:childTnLst>
                     </p:cTn>
                   </p:par>
+                  <p:par>
+                    <p:cTn id="18" fill="hold">
+                      <p:stCondLst>
+                        <p:cond delay="indefinite"/>
+                      </p:stCondLst>
+                      <p:childTnLst>
+                        <p:par>
+                          <p:cTn id="19" fill="hold">
+                            <p:stCondLst>
+                              <p:cond delay="0"/>
+                            </p:stCondLst>
+                            <p:childTnLst>
+                              <p:par>
+                                <p:cTn id="20" presetID="10" presetClass="entr" presetSubtype="0" fill="hold" nodeType="clickEffect">
+                                  <p:stCondLst>
+                                    <p:cond delay="0"/>
+                                  </p:stCondLst>
+                                  <p:childTnLst>
+                                    <p:set>
+                                      <p:cBhvr>
+                                        <p:cTn id="21" dur="1" fill="hold">
+                                          <p:stCondLst>
+                                            <p:cond delay="0"/>
+                                          </p:stCondLst>
+                                        </p:cTn>
+                                        <p:tgtEl>
+                                          <p:spTgt spid="3">
+                                            <p:txEl>
+                                              <p:pRg st="3" end="3"/>
+                                            </p:txEl>
+                                          </p:spTgt>
+                                        </p:tgtEl>
+                                        <p:attrNameLst>
+                                          <p:attrName>style.visibility</p:attrName>
+                                        </p:attrNameLst>
+                                      </p:cBhvr>
+                                      <p:to>
+                                        <p:strVal val="visible"/>
+                                      </p:to>
+                                    </p:set>
+                                    <p:animEffect transition="in" filter="fade">
+                                      <p:cBhvr>
+                                        <p:cTn id="22" dur="500"/>
+                                        <p:tgtEl>
+                                          <p:spTgt spid="3">
+                                            <p:txEl>
+                                              <p:pRg st="3" end="3"/>
+                                            </p:txEl>
+                                          </p:spTgt>
+                                        </p:tgtEl>
+                                      </p:cBhvr>
+                                    </p:animEffect>
+                                  </p:childTnLst>
+                                </p:cTn>
+                              </p:par>
+                            </p:childTnLst>
+                          </p:cTn>
+                        </p:par>
+                      </p:childTnLst>
+                    </p:cTn>
+                  </p:par>
                 </p:childTnLst>
               </p:cTn>
               <p:prevCondLst>
@@ -27558,10 +27553,7 @@
             <a:r>
               <a:rPr lang="en-US" altLang="zh-CN" sz="2800" dirty="0">
                 <a:solidFill>
-                  <a:schemeClr val="tx1">
-                    <a:lumMod val="85000"/>
-                    <a:lumOff val="15000"/>
-                  </a:schemeClr>
+                  <a:srgbClr val="C00000"/>
                 </a:solidFill>
                 <a:latin typeface="苹方 中等" panose="020B0400000000000000" pitchFamily="34" charset="-122"/>
                 <a:ea typeface="苹方 常规" panose="020B0300000000000000"/>
@@ -27590,10 +27582,7 @@
             <a:r>
               <a:rPr lang="en-US" altLang="zh-CN" sz="2800" dirty="0" smtClean="0">
                 <a:solidFill>
-                  <a:schemeClr val="tx1">
-                    <a:lumMod val="85000"/>
-                    <a:lumOff val="15000"/>
-                  </a:schemeClr>
+                  <a:srgbClr val="C00000"/>
                 </a:solidFill>
                 <a:latin typeface="苹方 中等" panose="020B0400000000000000" pitchFamily="34" charset="-122"/>
                 <a:ea typeface="苹方 常规" panose="020B0300000000000000"/>
@@ -27602,10 +27591,7 @@
             </a:r>
             <a:endParaRPr lang="en-US" altLang="zh-CN" sz="2800" dirty="0">
               <a:solidFill>
-                <a:schemeClr val="tx1">
-                  <a:lumMod val="85000"/>
-                  <a:lumOff val="15000"/>
-                </a:schemeClr>
+                <a:srgbClr val="C00000"/>
               </a:solidFill>
               <a:latin typeface="苹方 中等" panose="020B0400000000000000" pitchFamily="34" charset="-122"/>
               <a:ea typeface="苹方 常规" panose="020B0300000000000000"/>
@@ -28857,10 +28843,7 @@
             <a:r>
               <a:rPr lang="en-US" altLang="zh-CN" sz="2800" dirty="0">
                 <a:solidFill>
-                  <a:schemeClr val="tx1">
-                    <a:lumMod val="85000"/>
-                    <a:lumOff val="15000"/>
-                  </a:schemeClr>
+                  <a:srgbClr val="C00000"/>
                 </a:solidFill>
                 <a:latin typeface="苹方 中等" panose="020B0400000000000000" pitchFamily="34" charset="-122"/>
                 <a:ea typeface="苹方 常规" panose="020B0300000000000000"/>
@@ -28870,10 +28853,7 @@
             <a:r>
               <a:rPr lang="en-US" altLang="zh-CN" sz="2800" dirty="0" smtClean="0">
                 <a:solidFill>
-                  <a:schemeClr val="tx1">
-                    <a:lumMod val="85000"/>
-                    <a:lumOff val="15000"/>
-                  </a:schemeClr>
+                  <a:srgbClr val="C00000"/>
                 </a:solidFill>
                 <a:latin typeface="苹方 中等" panose="020B0400000000000000" pitchFamily="34" charset="-122"/>
                 <a:ea typeface="苹方 常规" panose="020B0300000000000000"/>
@@ -28882,10 +28862,7 @@
             </a:r>
             <a:endParaRPr lang="en-US" altLang="zh-CN" sz="2800" dirty="0">
               <a:solidFill>
-                <a:schemeClr val="tx1">
-                  <a:lumMod val="85000"/>
-                  <a:lumOff val="15000"/>
-                </a:schemeClr>
+                <a:srgbClr val="C00000"/>
               </a:solidFill>
               <a:latin typeface="苹方 中等" panose="020B0400000000000000" pitchFamily="34" charset="-122"/>
               <a:ea typeface="苹方 常规" panose="020B0300000000000000"/>
@@ -28917,10 +28894,10 @@
         </p:nvGrpSpPr>
         <p:grpSpPr>
           <a:xfrm>
-            <a:off x="3812751" y="4413972"/>
-            <a:ext cx="6053986" cy="886421"/>
+            <a:off x="3710453" y="4056921"/>
+            <a:ext cx="6014099" cy="886421"/>
             <a:chOff x="1311" y="195204"/>
-            <a:chExt cx="6118153" cy="886421"/>
+            <a:chExt cx="6077843" cy="886421"/>
           </a:xfrm>
         </p:grpSpPr>
         <p:sp>
@@ -28984,7 +28961,7 @@
           </p:nvSpPr>
           <p:spPr>
             <a:xfrm>
-              <a:off x="288695" y="195204"/>
+              <a:off x="248385" y="195204"/>
               <a:ext cx="5830769" cy="886421"/>
             </a:xfrm>
             <a:prstGeom prst="rect">
@@ -29202,6 +29179,95 @@
           </p:txBody>
         </p:sp>
       </p:grpSp>
+      <p:sp>
+        <p:nvSpPr>
+          <p:cNvPr id="2" name="矩形 1"/>
+          <p:cNvSpPr/>
+          <p:nvPr/>
+        </p:nvSpPr>
+        <p:spPr>
+          <a:xfrm>
+            <a:off x="5318334" y="5453881"/>
+            <a:ext cx="3042821" cy="400110"/>
+          </a:xfrm>
+          <a:prstGeom prst="rect">
+            <a:avLst/>
+          </a:prstGeom>
+        </p:spPr>
+        <p:txBody>
+          <a:bodyPr wrap="none">
+            <a:spAutoFit/>
+          </a:bodyPr>
+          <a:lstStyle/>
+          <a:p>
+            <a:pPr lvl="0"/>
+            <a:r>
+              <a:rPr lang="zh-CN" altLang="zh-CN" sz="2000" dirty="0">
+                <a:solidFill>
+                  <a:schemeClr val="bg1">
+                    <a:lumMod val="65000"/>
+                  </a:schemeClr>
+                </a:solidFill>
+              </a:rPr>
+              <a:t>['</a:t>
+            </a:r>
+            <a:r>
+              <a:rPr lang="zh-CN" altLang="zh-CN" sz="2000" dirty="0">
+                <a:solidFill>
+                  <a:schemeClr val="accent2">
+                    <a:lumMod val="75000"/>
+                  </a:schemeClr>
+                </a:solidFill>
+              </a:rPr>
+              <a:t>三代头孢菌素</a:t>
+            </a:r>
+            <a:r>
+              <a:rPr lang="zh-CN" altLang="zh-CN" sz="2000" dirty="0">
+                <a:solidFill>
+                  <a:schemeClr val="bg1">
+                    <a:lumMod val="65000"/>
+                  </a:schemeClr>
+                </a:solidFill>
+              </a:rPr>
+              <a:t>', </a:t>
+            </a:r>
+            <a:r>
+              <a:rPr lang="zh-CN" altLang="zh-CN" sz="2000" dirty="0">
+                <a:solidFill>
+                  <a:srgbClr val="92D050"/>
+                </a:solidFill>
+              </a:rPr>
+              <a:t>[9</a:t>
+            </a:r>
+            <a:r>
+              <a:rPr lang="en-US" altLang="zh-CN" sz="2000" dirty="0">
+                <a:solidFill>
+                  <a:srgbClr val="92D050"/>
+                </a:solidFill>
+              </a:rPr>
+              <a:t>9</a:t>
+            </a:r>
+            <a:r>
+              <a:rPr lang="zh-CN" altLang="zh-CN" sz="2000" dirty="0">
+                <a:solidFill>
+                  <a:srgbClr val="92D050"/>
+                </a:solidFill>
+              </a:rPr>
+              <a:t>, 105]</a:t>
+            </a:r>
+            <a:r>
+              <a:rPr lang="zh-CN" altLang="zh-CN" sz="2000" dirty="0">
+                <a:solidFill>
+                  <a:schemeClr val="bg1">
+                    <a:lumMod val="65000"/>
+                  </a:schemeClr>
+                </a:solidFill>
+              </a:rPr>
+              <a:t>]</a:t>
+            </a:r>
+          </a:p>
+        </p:txBody>
+      </p:sp>
     </p:spTree>
     <p:extLst>
       <p:ext uri="{BB962C8B-B14F-4D97-AF65-F5344CB8AC3E}">
@@ -29456,6 +29522,59 @@
                       </p:childTnLst>
                     </p:cTn>
                   </p:par>
+                  <p:par>
+                    <p:cTn id="23" fill="hold">
+                      <p:stCondLst>
+                        <p:cond delay="indefinite"/>
+                      </p:stCondLst>
+                      <p:childTnLst>
+                        <p:par>
+                          <p:cTn id="24" fill="hold">
+                            <p:stCondLst>
+                              <p:cond delay="0"/>
+                            </p:stCondLst>
+                            <p:childTnLst>
+                              <p:par>
+                                <p:cTn id="25" presetID="10" presetClass="entr" presetSubtype="0" fill="hold" grpId="0" nodeType="clickEffect">
+                                  <p:stCondLst>
+                                    <p:cond delay="0"/>
+                                  </p:stCondLst>
+                                  <p:childTnLst>
+                                    <p:set>
+                                      <p:cBhvr>
+                                        <p:cTn id="26" dur="1" fill="hold">
+                                          <p:stCondLst>
+                                            <p:cond delay="0"/>
+                                          </p:stCondLst>
+                                        </p:cTn>
+                                        <p:tgtEl>
+                                          <p:spTgt spid="2"/>
+                                        </p:tgtEl>
+                                        <p:attrNameLst>
+                                          <p:attrName>style.visibility</p:attrName>
+                                        </p:attrNameLst>
+                                      </p:cBhvr>
+                                      <p:to>
+                                        <p:strVal val="visible"/>
+                                      </p:to>
+                                    </p:set>
+                                    <p:animEffect transition="in" filter="fade">
+                                      <p:cBhvr>
+                                        <p:cTn id="27" dur="500"/>
+                                        <p:tgtEl>
+                                          <p:spTgt spid="2"/>
+                                        </p:tgtEl>
+                                      </p:cBhvr>
+                                    </p:animEffect>
+                                  </p:childTnLst>
+                                </p:cTn>
+                              </p:par>
+                            </p:childTnLst>
+                          </p:cTn>
+                        </p:par>
+                      </p:childTnLst>
+                    </p:cTn>
+                  </p:par>
                 </p:childTnLst>
               </p:cTn>
               <p:prevCondLst>
@@ -29477,6 +29596,9 @@
         </p:cTn>
       </p:par>
     </p:tnLst>
+    <p:bldLst>
+      <p:bldP spid="2" grpId="0"/>
+    </p:bldLst>
   </p:timing>
 </p:sld>
 </file>
@@ -29650,7 +29772,7 @@
         </p:nvSpPr>
         <p:spPr>
           <a:xfrm>
-            <a:off x="1159441" y="1841586"/>
+            <a:off x="1159440" y="2556408"/>
             <a:ext cx="8393862" cy="2246769"/>
           </a:xfrm>
           <a:prstGeom prst="rect">
@@ -29709,6 +29831,16 @@
             <a:r>
               <a:rPr lang="en-US" altLang="zh-CN" sz="2800" dirty="0">
                 <a:solidFill>
+                  <a:srgbClr val="C00000"/>
+                </a:solidFill>
+                <a:latin typeface="苹方 中等" panose="020B0400000000000000" pitchFamily="34" charset="-122"/>
+                <a:ea typeface="苹方 常规" panose="020B0300000000000000"/>
+              </a:rPr>
+              <a:t>Fine grained </a:t>
+            </a:r>
+            <a:r>
+              <a:rPr lang="en-US" altLang="zh-CN" sz="2800" dirty="0">
+                <a:solidFill>
                   <a:schemeClr val="tx1">
                     <a:lumMod val="85000"/>
                     <a:lumOff val="15000"/>
@@ -29717,7 +29849,30 @@
                 <a:latin typeface="苹方 中等" panose="020B0400000000000000" pitchFamily="34" charset="-122"/>
                 <a:ea typeface="苹方 常规" panose="020B0300000000000000"/>
               </a:rPr>
-              <a:t>Fine grained Bert model(Task oriented)</a:t>
+              <a:t>Bert model(</a:t>
+            </a:r>
+            <a:r>
+              <a:rPr lang="en-US" altLang="zh-CN" sz="2800" dirty="0">
+                <a:solidFill>
+                  <a:srgbClr val="C00000"/>
+                </a:solidFill>
+                <a:latin typeface="苹方 中等" panose="020B0400000000000000" pitchFamily="34" charset="-122"/>
+                <a:ea typeface="苹方 常规" panose="020B0300000000000000"/>
+              </a:rPr>
+              <a:t>Task oriented</a:t>
+            </a:r>
+            <a:r>
+              <a:rPr lang="en-US" altLang="zh-CN" sz="2800" dirty="0">
+                <a:solidFill>
+                  <a:schemeClr val="tx1">
+                    <a:lumMod val="85000"/>
+                    <a:lumOff val="15000"/>
+                  </a:schemeClr>
+                </a:solidFill>
+                <a:latin typeface="苹方 中等" panose="020B0400000000000000" pitchFamily="34" charset="-122"/>
+                <a:ea typeface="苹方 常规" panose="020B0300000000000000"/>
+              </a:rPr>
+              <a:t>)</a:t>
             </a:r>
           </a:p>
           <a:p>
@@ -29779,6 +29934,96 @@
                 <a:ea typeface="苹方 常规" panose="020B0300000000000000"/>
               </a:rPr>
               <a:t> </a:t>
+            </a:r>
+            <a:endParaRPr lang="zh-CN" altLang="en-US" sz="2800" dirty="0">
+              <a:solidFill>
+                <a:schemeClr val="tx1">
+                  <a:lumMod val="85000"/>
+                  <a:lumOff val="15000"/>
+                </a:schemeClr>
+              </a:solidFill>
+              <a:latin typeface="苹方 中等" panose="020B0400000000000000" pitchFamily="34" charset="-122"/>
+              <a:ea typeface="苹方 常规" panose="020B0300000000000000"/>
+            </a:endParaRPr>
+          </a:p>
+        </p:txBody>
+      </p:sp>
+      <p:sp>
+        <p:nvSpPr>
+          <p:cNvPr id="2" name="矩形 1"/>
+          <p:cNvSpPr/>
+          <p:nvPr/>
+        </p:nvSpPr>
+        <p:spPr>
+          <a:xfrm>
+            <a:off x="1159440" y="1848171"/>
+            <a:ext cx="5162632" cy="523220"/>
+          </a:xfrm>
+          <a:prstGeom prst="rect">
+            <a:avLst/>
+          </a:prstGeom>
+        </p:spPr>
+        <p:txBody>
+          <a:bodyPr wrap="none">
+            <a:spAutoFit/>
+          </a:bodyPr>
+          <a:lstStyle/>
+          <a:p>
+            <a:pPr marL="384725" indent="-384725" defTabSz="1025932">
+              <a:buFont typeface="Arial" panose="020B0604020202020204" pitchFamily="34" charset="0"/>
+              <a:buChar char="•"/>
+            </a:pPr>
+            <a:r>
+              <a:rPr lang="en-US" altLang="zh-CN" sz="2800" dirty="0">
+                <a:solidFill>
+                  <a:schemeClr val="tx1">
+                    <a:lumMod val="85000"/>
+                    <a:lumOff val="15000"/>
+                  </a:schemeClr>
+                </a:solidFill>
+                <a:latin typeface="苹方 中等" panose="020B0400000000000000" pitchFamily="34" charset="-122"/>
+                <a:ea typeface="苹方 常规" panose="020B0300000000000000"/>
+              </a:rPr>
+              <a:t>Based on </a:t>
+            </a:r>
+            <a:r>
+              <a:rPr lang="en-US" altLang="zh-CN" sz="2800">
+                <a:solidFill>
+                  <a:schemeClr val="tx1">
+                    <a:lumMod val="85000"/>
+                    <a:lumOff val="15000"/>
+                  </a:schemeClr>
+                </a:solidFill>
+                <a:latin typeface="苹方 中等" panose="020B0400000000000000" pitchFamily="34" charset="-122"/>
+                <a:ea typeface="苹方 常规" panose="020B0300000000000000"/>
+              </a:rPr>
+              <a:t>Bert </a:t>
+            </a:r>
+            <a:r>
+              <a:rPr lang="en-US" altLang="zh-CN" sz="2800" smtClean="0">
+                <a:solidFill>
+                  <a:schemeClr val="tx1">
+                    <a:lumMod val="85000"/>
+                    <a:lumOff val="15000"/>
+                  </a:schemeClr>
+                </a:solidFill>
+                <a:latin typeface="苹方 中等" panose="020B0400000000000000" pitchFamily="34" charset="-122"/>
+                <a:ea typeface="苹方 常规" panose="020B0300000000000000"/>
+              </a:rPr>
+              <a:t>text </a:t>
+            </a:r>
+            <a:r>
+              <a:rPr lang="en-US" altLang="zh-CN" sz="2800" dirty="0">
+                <a:solidFill>
+                  <a:schemeClr val="tx1">
+                    <a:lumMod val="85000"/>
+                    <a:lumOff val="15000"/>
+                  </a:schemeClr>
+                </a:solidFill>
+                <a:latin typeface="苹方 中等" panose="020B0400000000000000" pitchFamily="34" charset="-122"/>
+                <a:ea typeface="苹方 常规" panose="020B0300000000000000"/>
+              </a:rPr>
+              <a:t>classification</a:t>
             </a:r>
             <a:endParaRPr lang="zh-CN" altLang="en-US" sz="2800" dirty="0">
               <a:solidFill>
